--- a/Later/Java_Later/MongoDB_2/77/Model One-to-One Relationships.pptx
+++ b/Later/Java_Later/MongoDB_2/77/Model One-to-One Relationships.pptx
@@ -5,12 +5,16 @@
     <p:sldMasterId id="2147483672" r:id="rId1"/>
   </p:sldMasterIdLst>
   <p:notesMasterIdLst>
-    <p:notesMasterId r:id="rId5"/>
+    <p:notesMasterId r:id="rId9"/>
   </p:notesMasterIdLst>
   <p:sldIdLst>
     <p:sldId id="465" r:id="rId2"/>
     <p:sldId id="466" r:id="rId3"/>
-    <p:sldId id="464" r:id="rId4"/>
+    <p:sldId id="467" r:id="rId4"/>
+    <p:sldId id="468" r:id="rId5"/>
+    <p:sldId id="469" r:id="rId6"/>
+    <p:sldId id="470" r:id="rId7"/>
+    <p:sldId id="464" r:id="rId8"/>
   </p:sldIdLst>
   <p:sldSz cx="9144000" cy="5029200"/>
   <p:notesSz cx="6858000" cy="9144000"/>
@@ -740,6 +744,362 @@
             <a:fld id="{A883C400-BD9D-4609-A213-F91E9750031E}" type="slidenum">
               <a:rPr lang="en-US" smtClean="0"/>
               <a:t>3</a:t>
+            </a:fld>
+            <a:endParaRPr lang="en-US" dirty="0"/>
+          </a:p>
+        </p:txBody>
+      </p:sp>
+    </p:spTree>
+    <p:extLst>
+      <p:ext uri="{BB962C8B-B14F-4D97-AF65-F5344CB8AC3E}">
+        <p14:creationId xmlns:p14="http://schemas.microsoft.com/office/powerpoint/2010/main" val="1013137835"/>
+      </p:ext>
+    </p:extLst>
+  </p:cSld>
+  <p:clrMapOvr>
+    <a:masterClrMapping/>
+  </p:clrMapOvr>
+</p:notes>
+</file>
+
+<file path=ppt/notesSlides/notesSlide4.xml><?xml version="1.0" encoding="utf-8"?>
+<p:notes xmlns:a="http://schemas.openxmlformats.org/drawingml/2006/main" xmlns:r="http://schemas.openxmlformats.org/officeDocument/2006/relationships" xmlns:p="http://schemas.openxmlformats.org/presentationml/2006/main">
+  <p:cSld>
+    <p:spTree>
+      <p:nvGrpSpPr>
+        <p:cNvPr id="1" name=""/>
+        <p:cNvGrpSpPr/>
+        <p:nvPr/>
+      </p:nvGrpSpPr>
+      <p:grpSpPr>
+        <a:xfrm>
+          <a:off x="0" y="0"/>
+          <a:ext cx="0" cy="0"/>
+          <a:chOff x="0" y="0"/>
+          <a:chExt cx="0" cy="0"/>
+        </a:xfrm>
+      </p:grpSpPr>
+      <p:sp>
+        <p:nvSpPr>
+          <p:cNvPr id="2" name="Slide Image Placeholder 1"/>
+          <p:cNvSpPr>
+            <a:spLocks noGrp="1" noRot="1" noChangeAspect="1"/>
+          </p:cNvSpPr>
+          <p:nvPr>
+            <p:ph type="sldImg"/>
+          </p:nvPr>
+        </p:nvSpPr>
+        <p:spPr>
+          <a:xfrm>
+            <a:off x="312738" y="685800"/>
+            <a:ext cx="6232525" cy="3429000"/>
+          </a:xfrm>
+        </p:spPr>
+      </p:sp>
+      <p:sp>
+        <p:nvSpPr>
+          <p:cNvPr id="3" name="Notes Placeholder 2"/>
+          <p:cNvSpPr>
+            <a:spLocks noGrp="1"/>
+          </p:cNvSpPr>
+          <p:nvPr>
+            <p:ph type="body" idx="1"/>
+          </p:nvPr>
+        </p:nvSpPr>
+        <p:spPr/>
+        <p:txBody>
+          <a:bodyPr/>
+          <a:lstStyle/>
+          <a:p>
+            <a:endParaRPr lang="en-US" dirty="0"/>
+          </a:p>
+        </p:txBody>
+      </p:sp>
+      <p:sp>
+        <p:nvSpPr>
+          <p:cNvPr id="4" name="Slide Number Placeholder 3"/>
+          <p:cNvSpPr>
+            <a:spLocks noGrp="1"/>
+          </p:cNvSpPr>
+          <p:nvPr>
+            <p:ph type="sldNum" sz="quarter" idx="10"/>
+          </p:nvPr>
+        </p:nvSpPr>
+        <p:spPr/>
+        <p:txBody>
+          <a:bodyPr/>
+          <a:lstStyle/>
+          <a:p>
+            <a:fld id="{A883C400-BD9D-4609-A213-F91E9750031E}" type="slidenum">
+              <a:rPr lang="en-US" smtClean="0"/>
+              <a:t>4</a:t>
+            </a:fld>
+            <a:endParaRPr lang="en-US" dirty="0"/>
+          </a:p>
+        </p:txBody>
+      </p:sp>
+    </p:spTree>
+    <p:extLst>
+      <p:ext uri="{BB962C8B-B14F-4D97-AF65-F5344CB8AC3E}">
+        <p14:creationId xmlns:p14="http://schemas.microsoft.com/office/powerpoint/2010/main" val="1777859628"/>
+      </p:ext>
+    </p:extLst>
+  </p:cSld>
+  <p:clrMapOvr>
+    <a:masterClrMapping/>
+  </p:clrMapOvr>
+</p:notes>
+</file>
+
+<file path=ppt/notesSlides/notesSlide5.xml><?xml version="1.0" encoding="utf-8"?>
+<p:notes xmlns:a="http://schemas.openxmlformats.org/drawingml/2006/main" xmlns:r="http://schemas.openxmlformats.org/officeDocument/2006/relationships" xmlns:p="http://schemas.openxmlformats.org/presentationml/2006/main">
+  <p:cSld>
+    <p:spTree>
+      <p:nvGrpSpPr>
+        <p:cNvPr id="1" name=""/>
+        <p:cNvGrpSpPr/>
+        <p:nvPr/>
+      </p:nvGrpSpPr>
+      <p:grpSpPr>
+        <a:xfrm>
+          <a:off x="0" y="0"/>
+          <a:ext cx="0" cy="0"/>
+          <a:chOff x="0" y="0"/>
+          <a:chExt cx="0" cy="0"/>
+        </a:xfrm>
+      </p:grpSpPr>
+      <p:sp>
+        <p:nvSpPr>
+          <p:cNvPr id="2" name="Slide Image Placeholder 1"/>
+          <p:cNvSpPr>
+            <a:spLocks noGrp="1" noRot="1" noChangeAspect="1"/>
+          </p:cNvSpPr>
+          <p:nvPr>
+            <p:ph type="sldImg"/>
+          </p:nvPr>
+        </p:nvSpPr>
+        <p:spPr>
+          <a:xfrm>
+            <a:off x="312738" y="685800"/>
+            <a:ext cx="6232525" cy="3429000"/>
+          </a:xfrm>
+        </p:spPr>
+      </p:sp>
+      <p:sp>
+        <p:nvSpPr>
+          <p:cNvPr id="3" name="Notes Placeholder 2"/>
+          <p:cNvSpPr>
+            <a:spLocks noGrp="1"/>
+          </p:cNvSpPr>
+          <p:nvPr>
+            <p:ph type="body" idx="1"/>
+          </p:nvPr>
+        </p:nvSpPr>
+        <p:spPr/>
+        <p:txBody>
+          <a:bodyPr/>
+          <a:lstStyle/>
+          <a:p>
+            <a:endParaRPr lang="en-US" dirty="0"/>
+          </a:p>
+        </p:txBody>
+      </p:sp>
+      <p:sp>
+        <p:nvSpPr>
+          <p:cNvPr id="4" name="Slide Number Placeholder 3"/>
+          <p:cNvSpPr>
+            <a:spLocks noGrp="1"/>
+          </p:cNvSpPr>
+          <p:nvPr>
+            <p:ph type="sldNum" sz="quarter" idx="10"/>
+          </p:nvPr>
+        </p:nvSpPr>
+        <p:spPr/>
+        <p:txBody>
+          <a:bodyPr/>
+          <a:lstStyle/>
+          <a:p>
+            <a:fld id="{A883C400-BD9D-4609-A213-F91E9750031E}" type="slidenum">
+              <a:rPr lang="en-US" smtClean="0"/>
+              <a:t>5</a:t>
+            </a:fld>
+            <a:endParaRPr lang="en-US" dirty="0"/>
+          </a:p>
+        </p:txBody>
+      </p:sp>
+    </p:spTree>
+    <p:extLst>
+      <p:ext uri="{BB962C8B-B14F-4D97-AF65-F5344CB8AC3E}">
+        <p14:creationId xmlns:p14="http://schemas.microsoft.com/office/powerpoint/2010/main" val="2951112110"/>
+      </p:ext>
+    </p:extLst>
+  </p:cSld>
+  <p:clrMapOvr>
+    <a:masterClrMapping/>
+  </p:clrMapOvr>
+</p:notes>
+</file>
+
+<file path=ppt/notesSlides/notesSlide6.xml><?xml version="1.0" encoding="utf-8"?>
+<p:notes xmlns:a="http://schemas.openxmlformats.org/drawingml/2006/main" xmlns:r="http://schemas.openxmlformats.org/officeDocument/2006/relationships" xmlns:p="http://schemas.openxmlformats.org/presentationml/2006/main">
+  <p:cSld>
+    <p:spTree>
+      <p:nvGrpSpPr>
+        <p:cNvPr id="1" name=""/>
+        <p:cNvGrpSpPr/>
+        <p:nvPr/>
+      </p:nvGrpSpPr>
+      <p:grpSpPr>
+        <a:xfrm>
+          <a:off x="0" y="0"/>
+          <a:ext cx="0" cy="0"/>
+          <a:chOff x="0" y="0"/>
+          <a:chExt cx="0" cy="0"/>
+        </a:xfrm>
+      </p:grpSpPr>
+      <p:sp>
+        <p:nvSpPr>
+          <p:cNvPr id="2" name="Slide Image Placeholder 1"/>
+          <p:cNvSpPr>
+            <a:spLocks noGrp="1" noRot="1" noChangeAspect="1"/>
+          </p:cNvSpPr>
+          <p:nvPr>
+            <p:ph type="sldImg"/>
+          </p:nvPr>
+        </p:nvSpPr>
+        <p:spPr>
+          <a:xfrm>
+            <a:off x="312738" y="685800"/>
+            <a:ext cx="6232525" cy="3429000"/>
+          </a:xfrm>
+        </p:spPr>
+      </p:sp>
+      <p:sp>
+        <p:nvSpPr>
+          <p:cNvPr id="3" name="Notes Placeholder 2"/>
+          <p:cNvSpPr>
+            <a:spLocks noGrp="1"/>
+          </p:cNvSpPr>
+          <p:nvPr>
+            <p:ph type="body" idx="1"/>
+          </p:nvPr>
+        </p:nvSpPr>
+        <p:spPr/>
+        <p:txBody>
+          <a:bodyPr/>
+          <a:lstStyle/>
+          <a:p>
+            <a:endParaRPr lang="en-US" dirty="0"/>
+          </a:p>
+        </p:txBody>
+      </p:sp>
+      <p:sp>
+        <p:nvSpPr>
+          <p:cNvPr id="4" name="Slide Number Placeholder 3"/>
+          <p:cNvSpPr>
+            <a:spLocks noGrp="1"/>
+          </p:cNvSpPr>
+          <p:nvPr>
+            <p:ph type="sldNum" sz="quarter" idx="10"/>
+          </p:nvPr>
+        </p:nvSpPr>
+        <p:spPr/>
+        <p:txBody>
+          <a:bodyPr/>
+          <a:lstStyle/>
+          <a:p>
+            <a:fld id="{A883C400-BD9D-4609-A213-F91E9750031E}" type="slidenum">
+              <a:rPr lang="en-US" smtClean="0"/>
+              <a:t>6</a:t>
+            </a:fld>
+            <a:endParaRPr lang="en-US" dirty="0"/>
+          </a:p>
+        </p:txBody>
+      </p:sp>
+    </p:spTree>
+    <p:extLst>
+      <p:ext uri="{BB962C8B-B14F-4D97-AF65-F5344CB8AC3E}">
+        <p14:creationId xmlns:p14="http://schemas.microsoft.com/office/powerpoint/2010/main" val="291080291"/>
+      </p:ext>
+    </p:extLst>
+  </p:cSld>
+  <p:clrMapOvr>
+    <a:masterClrMapping/>
+  </p:clrMapOvr>
+</p:notes>
+</file>
+
+<file path=ppt/notesSlides/notesSlide7.xml><?xml version="1.0" encoding="utf-8"?>
+<p:notes xmlns:a="http://schemas.openxmlformats.org/drawingml/2006/main" xmlns:r="http://schemas.openxmlformats.org/officeDocument/2006/relationships" xmlns:p="http://schemas.openxmlformats.org/presentationml/2006/main">
+  <p:cSld>
+    <p:spTree>
+      <p:nvGrpSpPr>
+        <p:cNvPr id="1" name=""/>
+        <p:cNvGrpSpPr/>
+        <p:nvPr/>
+      </p:nvGrpSpPr>
+      <p:grpSpPr>
+        <a:xfrm>
+          <a:off x="0" y="0"/>
+          <a:ext cx="0" cy="0"/>
+          <a:chOff x="0" y="0"/>
+          <a:chExt cx="0" cy="0"/>
+        </a:xfrm>
+      </p:grpSpPr>
+      <p:sp>
+        <p:nvSpPr>
+          <p:cNvPr id="2" name="Slide Image Placeholder 1"/>
+          <p:cNvSpPr>
+            <a:spLocks noGrp="1" noRot="1" noChangeAspect="1"/>
+          </p:cNvSpPr>
+          <p:nvPr>
+            <p:ph type="sldImg"/>
+          </p:nvPr>
+        </p:nvSpPr>
+        <p:spPr>
+          <a:xfrm>
+            <a:off x="312738" y="685800"/>
+            <a:ext cx="6232525" cy="3429000"/>
+          </a:xfrm>
+        </p:spPr>
+      </p:sp>
+      <p:sp>
+        <p:nvSpPr>
+          <p:cNvPr id="3" name="Notes Placeholder 2"/>
+          <p:cNvSpPr>
+            <a:spLocks noGrp="1"/>
+          </p:cNvSpPr>
+          <p:nvPr>
+            <p:ph type="body" idx="1"/>
+          </p:nvPr>
+        </p:nvSpPr>
+        <p:spPr/>
+        <p:txBody>
+          <a:bodyPr/>
+          <a:lstStyle/>
+          <a:p>
+            <a:endParaRPr lang="en-US" dirty="0"/>
+          </a:p>
+        </p:txBody>
+      </p:sp>
+      <p:sp>
+        <p:nvSpPr>
+          <p:cNvPr id="4" name="Slide Number Placeholder 3"/>
+          <p:cNvSpPr>
+            <a:spLocks noGrp="1"/>
+          </p:cNvSpPr>
+          <p:nvPr>
+            <p:ph type="sldNum" sz="quarter" idx="10"/>
+          </p:nvPr>
+        </p:nvSpPr>
+        <p:spPr/>
+        <p:txBody>
+          <a:bodyPr/>
+          <a:lstStyle/>
+          <a:p>
+            <a:fld id="{A883C400-BD9D-4609-A213-F91E9750031E}" type="slidenum">
+              <a:rPr lang="en-US" smtClean="0"/>
+              <a:t>7</a:t>
             </a:fld>
             <a:endParaRPr lang="en-US" dirty="0"/>
           </a:p>
@@ -4935,6 +5295,2333 @@
 </file>
 
 <file path=ppt/slides/slide3.xml><?xml version="1.0" encoding="utf-8"?>
+<p:sld xmlns:a="http://schemas.openxmlformats.org/drawingml/2006/main" xmlns:r="http://schemas.openxmlformats.org/officeDocument/2006/relationships" xmlns:p="http://schemas.openxmlformats.org/presentationml/2006/main">
+  <p:cSld>
+    <p:spTree>
+      <p:nvGrpSpPr>
+        <p:cNvPr id="1" name=""/>
+        <p:cNvGrpSpPr/>
+        <p:nvPr/>
+      </p:nvGrpSpPr>
+      <p:grpSpPr>
+        <a:xfrm>
+          <a:off x="0" y="0"/>
+          <a:ext cx="0" cy="0"/>
+          <a:chOff x="0" y="0"/>
+          <a:chExt cx="0" cy="0"/>
+        </a:xfrm>
+      </p:grpSpPr>
+      <p:sp>
+        <p:nvSpPr>
+          <p:cNvPr id="3" name="AutoShape 2" descr="data:image/png;base64,iVBORw0KGgoAAAANSUhEUgAAANEAAADxCAMAAABiSKLrAAAAbFBMVEWIiIj////6+vr29vb19fX4+Pj5+fnu7u77+/v39/f9/f3z8/P+/v709PT8/Pyqqqrt7e3v7+/w8PDx8fHy8vK+vr7Q0NCjo6OBgYHY2Njk5OTHx8eNjY3c3NzGxsbn5+eWlpa1tbWcnJx6enob4+f+AAAIqklEQVR4nO3dCZuaOhQGYEZAh0FkX2W1//8/lkVMICeIkRmOPHz22lYg5OVEZLFzJRNrnC+xSGt3nJvQekMUYktnEiM1ouDrjCs/pukLkzoRtpjmNRcloRUFoiS8oo5UvLwsYpEgCaXoHLYiMRJqkRAJt0iEhFwkQMIqCgJRElpRLErCL3r1oxavSJSEWCRIQikyOtGQNPd8CaXICc04FiXhFomQkIsESChFbmhmwiT0opf3eBivMzSjLuORnh49oKxRKxIloayR24oESShFRScSI6EUJaGZCJNwiwhp/skFcpFAlbCLXiehF71MQisSJiEVVYkwqRP9oEpXI1HSXXRuWjo/2jz3f3v8YfjS7871lbU1EiT1IjrAKrvX/2iurzisijkk8OQC5ah7iERIyEUCJOyi10noRU9J490DUpFPRAApniJhFVnzSaOdOF6RKAmlKGhFgiTMohdIyYeIhEh30aV99E9NLo8VXLqn++Q/mIuIREid6DJsv32s91Ityi1hEtJRl5+ESX2NMKUR2ZYoCbNIjIRV5FiiJIyicx7mriVEKnCKfvxadBIloRQ1NTqJkcICpcgPr7rjOPYJZnFNbZVwikw/YHNlXmDi4xW9kU70jSnNqOu/xL4R0aWg3yNMgNHWp0I66i7Dy5PsdXFuApw1Eg8RndfuykLZa4Q/512EPrsIfzYtOmwje43wh4h+1u7KQvm5bk601wh9NlijXYQ+uwh/HqLrZkTXh+h4PDQP8lQ/PvAlSrT2xl0oRHQ5biOXXYQ+uwh/dhH+7CL82bRI3Ua2XKPvtTfuQvneReizi/BnF+HPLsKfTYu0bYQWsd5PfImIDmtv3IVy2EXos4vwZxfhzy7CH0okbyO7CH+2/D46rr1xF8pxF6HPLsKfXYQ/uwh/KJGyjWxatPZwWShEpK69cReKuovQZxfhzy7Cn12EP0SkGduItmHRzFF3P3r63ZHzTl4YdYqsHg/e/YdF2e7xcFRVrba109gMFp2evGhmjzpFVZLcvJVpl7K8hWaVB1liNVNdJh7VZ4Wd7P4aaa5I866lFEnDRHWksC5eVgtH8VWy8PHGTE5V/rr+QqSocTnm9CpTM+SMmRhVVJcPKbPYv5VFcs7x1F3P1eeikl1sXZHGB0lRLH+eSI75ICk6KZ8nctkOkaQN+cNEWjBRIimU0YpkHY4hmxOgqNIMHRaRJo6giLO+dyM/F1nsvpfqWVAv92Eihe0u3bNE+TgR/FkURfWhUHPMIBsguh6N0yKNs7o/EGkVIEpj+XA8fltJ0GzqDxMdQwBka+2gqQ/p9FYkpaNIiEXuje3OddQfg738rFCTcYmME9sdKXntbY1MBOy802JrotJ6bSUiInLia7y2+aZEbXuyxXbn5vXXGQazDs+6xUWGoql2kXU/DDrOssLWNFmZ65oQufeflwvU6PHDdO8ki/0xu/Rb7RVRvZNJgupW7y3bU+T6JLnej97MPLNUhbPIbJEV9U2y/eknHds5lfhfNMo/sb23oRX5LQXWGUmpGdtz3nxEpOiep7eP+5MFUEZJj+0SCnsCVX/CkrZUQFRvQG+8RkNOzHTi5LL0rW6x8YL0bwolGtdolqir0fQxAyQCNrdsVczFmdFS6fXp+4kSecPMEqntrAYkkklTYI288frkYKI+j+XCYtzRUdCIdMV/7mkWTDNmY6AU6bo5C9QknqwSEpFuzAdJUjZFQiJSoFMWfhIDu0ievDjD5ubquEV6AjVet3krU3B/Hvn8cYdDBJxUSlKVaJqmWvENMiXcImEQKcCYi26W1nZaN9SAXXFkcos0JZpxXLeICDpLDnVSBDkDusAtEhGN72p5J78LcMbn9+nudemgiDSlASLF66cC20NKbZ3qCnAnIfKp9gcxiIjVPj8/8mbVCBY9VsNes42C4YgBrgyUJ06NpkRdCuD8yB418pYIOkl2hyuQ2SOkKOMMO4M76vrBB4sG84Cjjrr5Cooeo4TdLwyGbLsC4IKgD93dHY66lUQye7gQxfqgfdcDhr7JeSOtLoL2dOn4KEdX2E+s0hp24j3RaUERsPnLLBmlYPceaYJVBB0Bja85p8ANn3rXgFX02kEqaSGAeywoGs7zjghYdqYoxyp68USCtMDZfX+wqHomav53fkBcWDSYx4NEBpkuAyLj3oSwSDIVsMM6ETVAp/3V/KG2tP/xRPRccI1IW7Comyr8PupE9052bbW/0yLHpX/1T1wRmQuskULa4oqcd/Z1pjLu6li0zqgDP49m5fmo+2NR3z50zFBYczLsBB6Rxx6y8Q5wRoE7LCaylhM5BnTs7cGdmZP1RZzdygeLXOjW9fg94jYXUnjjbBHRcJ5nImVKBA67fFgkL/HzIE4KRW7vM0/i/kQ0WSPHg75KldHdqc+h7pfZ0jKs/GuDM3hvNSLizSEqoroE1Yia7ELf00kIWS/o09z+EmLA6bC3hMh9TwRskDq51x47e4Zzhc73Qt64wyByPOjmUVT6cZZkcQV+0zxNflX05qgD36tSe3MilcCr1FLEe9sPRDYYjmgwD1wjMl1hm4h0ugF43PETVd6wB3RbKES2Pu+2cr9waHFBWESO+8JtyxrkckFYRDa8dxAAoRHNH3hRNTHkUIlsY9Z3TqR6LzcFokScSsKi4TzPRMYske0VT78XJJkJZ8uTzojV6FdEtmNkE9/diqLUzJTpAtmzalQyF6FvI5ETA9+OpraQwTYhwRvQMYqryX6sNn8vq8AynnqoGuXuCY7N/vMR3R7N47DzePR04J+gjJt4rM7V3SzwzbC8FzYtb2Z1jQtDd3nLDOLmD1E9v90++qfT4Lfh5N+cq/508shXb5st6Ll1cWa2RYu2EUo0p6QfkF2EP7sIf3YR/hCRs3ZXFoqzYdEGR92su1D4Q486yzq1D/L0iS85W67R2l1ZKLsIfzYs4l05+bg8rpxU/lZS3UXbyvZE/wFXu+LXNTDaDQAAAABJRU5ErkJggg=="/>
+          <p:cNvSpPr>
+            <a:spLocks noChangeAspect="1" noChangeArrowheads="1"/>
+          </p:cNvSpPr>
+          <p:nvPr/>
+        </p:nvSpPr>
+        <p:spPr bwMode="auto">
+          <a:xfrm>
+            <a:off x="155575" y="-144463"/>
+            <a:ext cx="304800" cy="304801"/>
+          </a:xfrm>
+          <a:prstGeom prst="rect">
+            <a:avLst/>
+          </a:prstGeom>
+          <a:noFill/>
+          <a:extLst>
+            <a:ext uri="{909E8E84-426E-40DD-AFC4-6F175D3DCCD1}">
+              <a14:hiddenFill xmlns:a14="http://schemas.microsoft.com/office/drawing/2010/main">
+                <a:solidFill>
+                  <a:srgbClr val="FFFFFF"/>
+                </a:solidFill>
+              </a14:hiddenFill>
+            </a:ext>
+          </a:extLst>
+        </p:spPr>
+        <p:txBody>
+          <a:bodyPr vert="horz" wrap="square" lIns="91440" tIns="45720" rIns="91440" bIns="45720" numCol="1" anchor="t" anchorCtr="0" compatLnSpc="1">
+            <a:prstTxWarp prst="textNoShape">
+              <a:avLst/>
+            </a:prstTxWarp>
+          </a:bodyPr>
+          <a:lstStyle/>
+          <a:p>
+            <a:endParaRPr lang="en-US" sz="1200" dirty="0"/>
+          </a:p>
+        </p:txBody>
+      </p:sp>
+      <p:sp>
+        <p:nvSpPr>
+          <p:cNvPr id="2" name="AutoShape 2" descr="Image result for file"/>
+          <p:cNvSpPr>
+            <a:spLocks noChangeAspect="1" noChangeArrowheads="1"/>
+          </p:cNvSpPr>
+          <p:nvPr/>
+        </p:nvSpPr>
+        <p:spPr bwMode="auto">
+          <a:xfrm>
+            <a:off x="307975" y="7937"/>
+            <a:ext cx="304800" cy="304801"/>
+          </a:xfrm>
+          <a:prstGeom prst="rect">
+            <a:avLst/>
+          </a:prstGeom>
+          <a:noFill/>
+          <a:extLst>
+            <a:ext uri="{909E8E84-426E-40DD-AFC4-6F175D3DCCD1}">
+              <a14:hiddenFill xmlns:a14="http://schemas.microsoft.com/office/drawing/2010/main">
+                <a:solidFill>
+                  <a:srgbClr val="FFFFFF"/>
+                </a:solidFill>
+              </a14:hiddenFill>
+            </a:ext>
+          </a:extLst>
+        </p:spPr>
+        <p:txBody>
+          <a:bodyPr vert="horz" wrap="square" lIns="91440" tIns="45720" rIns="91440" bIns="45720" numCol="1" anchor="t" anchorCtr="0" compatLnSpc="1">
+            <a:prstTxWarp prst="textNoShape">
+              <a:avLst/>
+            </a:prstTxWarp>
+          </a:bodyPr>
+          <a:lstStyle/>
+          <a:p>
+            <a:endParaRPr lang="en-US" sz="1200" dirty="0"/>
+          </a:p>
+        </p:txBody>
+      </p:sp>
+      <p:sp>
+        <p:nvSpPr>
+          <p:cNvPr id="4" name="AutoShape 4" descr="Image result for file"/>
+          <p:cNvSpPr>
+            <a:spLocks noChangeAspect="1" noChangeArrowheads="1"/>
+          </p:cNvSpPr>
+          <p:nvPr/>
+        </p:nvSpPr>
+        <p:spPr bwMode="auto">
+          <a:xfrm>
+            <a:off x="460375" y="160337"/>
+            <a:ext cx="304800" cy="304801"/>
+          </a:xfrm>
+          <a:prstGeom prst="rect">
+            <a:avLst/>
+          </a:prstGeom>
+          <a:noFill/>
+          <a:extLst>
+            <a:ext uri="{909E8E84-426E-40DD-AFC4-6F175D3DCCD1}">
+              <a14:hiddenFill xmlns:a14="http://schemas.microsoft.com/office/drawing/2010/main">
+                <a:solidFill>
+                  <a:srgbClr val="FFFFFF"/>
+                </a:solidFill>
+              </a14:hiddenFill>
+            </a:ext>
+          </a:extLst>
+        </p:spPr>
+        <p:txBody>
+          <a:bodyPr vert="horz" wrap="square" lIns="91440" tIns="45720" rIns="91440" bIns="45720" numCol="1" anchor="t" anchorCtr="0" compatLnSpc="1">
+            <a:prstTxWarp prst="textNoShape">
+              <a:avLst/>
+            </a:prstTxWarp>
+          </a:bodyPr>
+          <a:lstStyle/>
+          <a:p>
+            <a:endParaRPr lang="en-US" sz="1200" dirty="0"/>
+          </a:p>
+        </p:txBody>
+      </p:sp>
+      <p:sp>
+        <p:nvSpPr>
+          <p:cNvPr id="6" name="AutoShape 4" descr="Image result for xml symbol"/>
+          <p:cNvSpPr>
+            <a:spLocks noChangeAspect="1" noChangeArrowheads="1"/>
+          </p:cNvSpPr>
+          <p:nvPr/>
+        </p:nvSpPr>
+        <p:spPr bwMode="auto">
+          <a:xfrm>
+            <a:off x="-755650" y="465137"/>
+            <a:ext cx="304800" cy="304801"/>
+          </a:xfrm>
+          <a:prstGeom prst="rect">
+            <a:avLst/>
+          </a:prstGeom>
+          <a:noFill/>
+          <a:extLst>
+            <a:ext uri="{909E8E84-426E-40DD-AFC4-6F175D3DCCD1}">
+              <a14:hiddenFill xmlns:a14="http://schemas.microsoft.com/office/drawing/2010/main">
+                <a:solidFill>
+                  <a:srgbClr val="FFFFFF"/>
+                </a:solidFill>
+              </a14:hiddenFill>
+            </a:ext>
+          </a:extLst>
+        </p:spPr>
+        <p:txBody>
+          <a:bodyPr vert="horz" wrap="square" lIns="91440" tIns="45720" rIns="91440" bIns="45720" numCol="1" anchor="t" anchorCtr="0" compatLnSpc="1">
+            <a:prstTxWarp prst="textNoShape">
+              <a:avLst/>
+            </a:prstTxWarp>
+          </a:bodyPr>
+          <a:lstStyle/>
+          <a:p>
+            <a:endParaRPr lang="en-US" sz="1200"/>
+          </a:p>
+        </p:txBody>
+      </p:sp>
+      <p:sp>
+        <p:nvSpPr>
+          <p:cNvPr id="11" name="Rectangle 10">
+            <a:extLst>
+              <a:ext uri="{FF2B5EF4-FFF2-40B4-BE49-F238E27FC236}">
+                <a16:creationId xmlns:a16="http://schemas.microsoft.com/office/drawing/2014/main" id="{7142775A-ED08-4E7D-9A8D-92D911BD49C8}"/>
+              </a:ext>
+            </a:extLst>
+          </p:cNvPr>
+          <p:cNvSpPr/>
+          <p:nvPr/>
+        </p:nvSpPr>
+        <p:spPr>
+          <a:xfrm>
+            <a:off x="1712068" y="0"/>
+            <a:ext cx="5946775" cy="307777"/>
+          </a:xfrm>
+          <a:prstGeom prst="rect">
+            <a:avLst/>
+          </a:prstGeom>
+        </p:spPr>
+        <p:style>
+          <a:lnRef idx="1">
+            <a:schemeClr val="accent4"/>
+          </a:lnRef>
+          <a:fillRef idx="3">
+            <a:schemeClr val="accent4"/>
+          </a:fillRef>
+          <a:effectRef idx="2">
+            <a:schemeClr val="accent4"/>
+          </a:effectRef>
+          <a:fontRef idx="minor">
+            <a:schemeClr val="lt1"/>
+          </a:fontRef>
+        </p:style>
+        <p:txBody>
+          <a:bodyPr wrap="square">
+            <a:spAutoFit/>
+          </a:bodyPr>
+          <a:lstStyle>
+            <a:defPPr>
+              <a:defRPr lang="en-US"/>
+            </a:defPPr>
+            <a:lvl1pPr marL="0" algn="l" defTabSz="914400" rtl="0" eaLnBrk="1" latinLnBrk="0" hangingPunct="1">
+              <a:defRPr sz="1800" kern="1200">
+                <a:solidFill>
+                  <a:schemeClr val="lt1"/>
+                </a:solidFill>
+                <a:latin typeface="+mn-lt"/>
+                <a:ea typeface="+mn-ea"/>
+                <a:cs typeface="+mn-cs"/>
+              </a:defRPr>
+            </a:lvl1pPr>
+            <a:lvl2pPr marL="457200" algn="l" defTabSz="914400" rtl="0" eaLnBrk="1" latinLnBrk="0" hangingPunct="1">
+              <a:defRPr sz="1800" kern="1200">
+                <a:solidFill>
+                  <a:schemeClr val="lt1"/>
+                </a:solidFill>
+                <a:latin typeface="+mn-lt"/>
+                <a:ea typeface="+mn-ea"/>
+                <a:cs typeface="+mn-cs"/>
+              </a:defRPr>
+            </a:lvl2pPr>
+            <a:lvl3pPr marL="914400" algn="l" defTabSz="914400" rtl="0" eaLnBrk="1" latinLnBrk="0" hangingPunct="1">
+              <a:defRPr sz="1800" kern="1200">
+                <a:solidFill>
+                  <a:schemeClr val="lt1"/>
+                </a:solidFill>
+                <a:latin typeface="+mn-lt"/>
+                <a:ea typeface="+mn-ea"/>
+                <a:cs typeface="+mn-cs"/>
+              </a:defRPr>
+            </a:lvl3pPr>
+            <a:lvl4pPr marL="1371600" algn="l" defTabSz="914400" rtl="0" eaLnBrk="1" latinLnBrk="0" hangingPunct="1">
+              <a:defRPr sz="1800" kern="1200">
+                <a:solidFill>
+                  <a:schemeClr val="lt1"/>
+                </a:solidFill>
+                <a:latin typeface="+mn-lt"/>
+                <a:ea typeface="+mn-ea"/>
+                <a:cs typeface="+mn-cs"/>
+              </a:defRPr>
+            </a:lvl4pPr>
+            <a:lvl5pPr marL="1828800" algn="l" defTabSz="914400" rtl="0" eaLnBrk="1" latinLnBrk="0" hangingPunct="1">
+              <a:defRPr sz="1800" kern="1200">
+                <a:solidFill>
+                  <a:schemeClr val="lt1"/>
+                </a:solidFill>
+                <a:latin typeface="+mn-lt"/>
+                <a:ea typeface="+mn-ea"/>
+                <a:cs typeface="+mn-cs"/>
+              </a:defRPr>
+            </a:lvl5pPr>
+            <a:lvl6pPr marL="2286000" algn="l" defTabSz="914400" rtl="0" eaLnBrk="1" latinLnBrk="0" hangingPunct="1">
+              <a:defRPr sz="1800" kern="1200">
+                <a:solidFill>
+                  <a:schemeClr val="lt1"/>
+                </a:solidFill>
+                <a:latin typeface="+mn-lt"/>
+                <a:ea typeface="+mn-ea"/>
+                <a:cs typeface="+mn-cs"/>
+              </a:defRPr>
+            </a:lvl6pPr>
+            <a:lvl7pPr marL="2743200" algn="l" defTabSz="914400" rtl="0" eaLnBrk="1" latinLnBrk="0" hangingPunct="1">
+              <a:defRPr sz="1800" kern="1200">
+                <a:solidFill>
+                  <a:schemeClr val="lt1"/>
+                </a:solidFill>
+                <a:latin typeface="+mn-lt"/>
+                <a:ea typeface="+mn-ea"/>
+                <a:cs typeface="+mn-cs"/>
+              </a:defRPr>
+            </a:lvl7pPr>
+            <a:lvl8pPr marL="3200400" algn="l" defTabSz="914400" rtl="0" eaLnBrk="1" latinLnBrk="0" hangingPunct="1">
+              <a:defRPr sz="1800" kern="1200">
+                <a:solidFill>
+                  <a:schemeClr val="lt1"/>
+                </a:solidFill>
+                <a:latin typeface="+mn-lt"/>
+                <a:ea typeface="+mn-ea"/>
+                <a:cs typeface="+mn-cs"/>
+              </a:defRPr>
+            </a:lvl8pPr>
+            <a:lvl9pPr marL="3657600" algn="l" defTabSz="914400" rtl="0" eaLnBrk="1" latinLnBrk="0" hangingPunct="1">
+              <a:defRPr sz="1800" kern="1200">
+                <a:solidFill>
+                  <a:schemeClr val="lt1"/>
+                </a:solidFill>
+                <a:latin typeface="+mn-lt"/>
+                <a:ea typeface="+mn-ea"/>
+                <a:cs typeface="+mn-cs"/>
+              </a:defRPr>
+            </a:lvl9pPr>
+          </a:lstStyle>
+          <a:p>
+            <a:pPr algn="ctr"/>
+            <a:r>
+              <a:rPr lang="en-US" sz="1400" dirty="0"/>
+              <a:t>Model One-to-One Relationships with Embedded Documents (Subset Pattern)</a:t>
+            </a:r>
+          </a:p>
+        </p:txBody>
+      </p:sp>
+      <p:sp>
+        <p:nvSpPr>
+          <p:cNvPr id="8" name="Rectangle 7">
+            <a:extLst>
+              <a:ext uri="{FF2B5EF4-FFF2-40B4-BE49-F238E27FC236}">
+                <a16:creationId xmlns:a16="http://schemas.microsoft.com/office/drawing/2014/main" id="{FB863982-7748-4C59-AA03-A2EABE9B9480}"/>
+              </a:ext>
+            </a:extLst>
+          </p:cNvPr>
+          <p:cNvSpPr/>
+          <p:nvPr/>
+        </p:nvSpPr>
+        <p:spPr>
+          <a:xfrm>
+            <a:off x="307975" y="2095500"/>
+            <a:ext cx="8683625" cy="838200"/>
+          </a:xfrm>
+          <a:prstGeom prst="rect">
+            <a:avLst/>
+          </a:prstGeom>
+          <a:ln w="3175"/>
+        </p:spPr>
+        <p:style>
+          <a:lnRef idx="2">
+            <a:schemeClr val="accent4"/>
+          </a:lnRef>
+          <a:fillRef idx="1">
+            <a:schemeClr val="lt1"/>
+          </a:fillRef>
+          <a:effectRef idx="0">
+            <a:schemeClr val="accent4"/>
+          </a:effectRef>
+          <a:fontRef idx="minor">
+            <a:schemeClr val="dk1"/>
+          </a:fontRef>
+        </p:style>
+        <p:txBody>
+          <a:bodyPr rtlCol="0" anchor="ctr"/>
+          <a:lstStyle/>
+          <a:p>
+            <a:pPr marL="171450" indent="-171450">
+              <a:buFont typeface="Wingdings" panose="05000000000000000000" pitchFamily="2" charset="2"/>
+              <a:buChar char="ü"/>
+            </a:pPr>
+            <a:r>
+              <a:rPr lang="en-US" sz="1200" dirty="0"/>
+              <a:t>A potential problem with the embedded document pattern is that it can lead to large documents that contain fields that the application does not need. This unnecessary data can cause extra load on your server and slow down read operations. </a:t>
+            </a:r>
+          </a:p>
+          <a:p>
+            <a:pPr marL="171450" indent="-171450">
+              <a:buFont typeface="Wingdings" panose="05000000000000000000" pitchFamily="2" charset="2"/>
+              <a:buChar char="ü"/>
+            </a:pPr>
+            <a:endParaRPr lang="en-US" sz="1200" dirty="0"/>
+          </a:p>
+          <a:p>
+            <a:pPr marL="171450" indent="-171450">
+              <a:buFont typeface="Wingdings" panose="05000000000000000000" pitchFamily="2" charset="2"/>
+              <a:buChar char="ü"/>
+            </a:pPr>
+            <a:r>
+              <a:rPr lang="en-US" sz="1200" dirty="0"/>
+              <a:t>Instead, you can use the subset pattern to retrieve the subset of data which is accessed the most frequently in a single database call.</a:t>
+            </a:r>
+          </a:p>
+        </p:txBody>
+      </p:sp>
+    </p:spTree>
+    <p:extLst>
+      <p:ext uri="{BB962C8B-B14F-4D97-AF65-F5344CB8AC3E}">
+        <p14:creationId xmlns:p14="http://schemas.microsoft.com/office/powerpoint/2010/main" val="1510704094"/>
+      </p:ext>
+    </p:extLst>
+  </p:cSld>
+  <p:clrMapOvr>
+    <a:masterClrMapping/>
+  </p:clrMapOvr>
+</p:sld>
+</file>
+
+<file path=ppt/slides/slide4.xml><?xml version="1.0" encoding="utf-8"?>
+<p:sld xmlns:a="http://schemas.openxmlformats.org/drawingml/2006/main" xmlns:r="http://schemas.openxmlformats.org/officeDocument/2006/relationships" xmlns:p="http://schemas.openxmlformats.org/presentationml/2006/main">
+  <p:cSld>
+    <p:spTree>
+      <p:nvGrpSpPr>
+        <p:cNvPr id="1" name=""/>
+        <p:cNvGrpSpPr/>
+        <p:nvPr/>
+      </p:nvGrpSpPr>
+      <p:grpSpPr>
+        <a:xfrm>
+          <a:off x="0" y="0"/>
+          <a:ext cx="0" cy="0"/>
+          <a:chOff x="0" y="0"/>
+          <a:chExt cx="0" cy="0"/>
+        </a:xfrm>
+      </p:grpSpPr>
+      <p:sp>
+        <p:nvSpPr>
+          <p:cNvPr id="3" name="AutoShape 2" descr="data:image/png;base64,iVBORw0KGgoAAAANSUhEUgAAANEAAADxCAMAAABiSKLrAAAAbFBMVEWIiIj////6+vr29vb19fX4+Pj5+fnu7u77+/v39/f9/f3z8/P+/v709PT8/Pyqqqrt7e3v7+/w8PDx8fHy8vK+vr7Q0NCjo6OBgYHY2Njk5OTHx8eNjY3c3NzGxsbn5+eWlpa1tbWcnJx6enob4+f+AAAIqklEQVR4nO3dCZuaOhQGYEZAh0FkX2W1//8/lkVMICeIkRmOPHz22lYg5OVEZLFzJRNrnC+xSGt3nJvQekMUYktnEiM1ouDrjCs/pukLkzoRtpjmNRcloRUFoiS8oo5UvLwsYpEgCaXoHLYiMRJqkRAJt0iEhFwkQMIqCgJRElpRLErCL3r1oxavSJSEWCRIQikyOtGQNPd8CaXICc04FiXhFomQkIsESChFbmhmwiT0opf3eBivMzSjLuORnh49oKxRKxIloayR24oESShFRScSI6EUJaGZCJNwiwhp/skFcpFAlbCLXiehF71MQisSJiEVVYkwqRP9oEpXI1HSXXRuWjo/2jz3f3v8YfjS7871lbU1EiT1IjrAKrvX/2iurzisijkk8OQC5ah7iERIyEUCJOyi10noRU9J490DUpFPRAApniJhFVnzSaOdOF6RKAmlKGhFgiTMohdIyYeIhEh30aV99E9NLo8VXLqn++Q/mIuIREid6DJsv32s91Ityi1hEtJRl5+ESX2NMKUR2ZYoCbNIjIRV5FiiJIyicx7mriVEKnCKfvxadBIloRQ1NTqJkcICpcgPr7rjOPYJZnFNbZVwikw/YHNlXmDi4xW9kU70jSnNqOu/xL4R0aWg3yNMgNHWp0I66i7Dy5PsdXFuApw1Eg8RndfuykLZa4Q/512EPrsIfzYtOmwje43wh4h+1u7KQvm5bk601wh9NlijXYQ+uwh/HqLrZkTXh+h4PDQP8lQ/PvAlSrT2xl0oRHQ5biOXXYQ+uwh/dhH+7CL82bRI3Ua2XKPvtTfuQvneReizi/BnF+HPLsKfTYu0bYQWsd5PfImIDmtv3IVy2EXos4vwZxfhzy7CH0okbyO7CH+2/D46rr1xF8pxF6HPLsKfXYQ/uwh/KJGyjWxatPZwWShEpK69cReKuovQZxfhzy7Cn12EP0SkGduItmHRzFF3P3r63ZHzTl4YdYqsHg/e/YdF2e7xcFRVrba109gMFp2evGhmjzpFVZLcvJVpl7K8hWaVB1liNVNdJh7VZ4Wd7P4aaa5I866lFEnDRHWksC5eVgtH8VWy8PHGTE5V/rr+QqSocTnm9CpTM+SMmRhVVJcPKbPYv5VFcs7x1F3P1eeikl1sXZHGB0lRLH+eSI75ICk6KZ8nctkOkaQN+cNEWjBRIimU0YpkHY4hmxOgqNIMHRaRJo6giLO+dyM/F1nsvpfqWVAv92Eihe0u3bNE+TgR/FkURfWhUHPMIBsguh6N0yKNs7o/EGkVIEpj+XA8fltJ0GzqDxMdQwBka+2gqQ/p9FYkpaNIiEXuje3OddQfg738rFCTcYmME9sdKXntbY1MBOy802JrotJ6bSUiInLia7y2+aZEbXuyxXbn5vXXGQazDs+6xUWGoql2kXU/DDrOssLWNFmZ65oQufeflwvU6PHDdO8ki/0xu/Rb7RVRvZNJgupW7y3bU+T6JLnej97MPLNUhbPIbJEV9U2y/eknHds5lfhfNMo/sb23oRX5LQXWGUmpGdtz3nxEpOiep7eP+5MFUEZJj+0SCnsCVX/CkrZUQFRvQG+8RkNOzHTi5LL0rW6x8YL0bwolGtdolqir0fQxAyQCNrdsVczFmdFS6fXp+4kSecPMEqntrAYkkklTYI288frkYKI+j+XCYtzRUdCIdMV/7mkWTDNmY6AU6bo5C9QknqwSEpFuzAdJUjZFQiJSoFMWfhIDu0ievDjD5ubquEV6AjVet3krU3B/Hvn8cYdDBJxUSlKVaJqmWvENMiXcImEQKcCYi26W1nZaN9SAXXFkcos0JZpxXLeICDpLDnVSBDkDusAtEhGN72p5J78LcMbn9+nudemgiDSlASLF66cC20NKbZ3qCnAnIfKp9gcxiIjVPj8/8mbVCBY9VsNes42C4YgBrgyUJ06NpkRdCuD8yB418pYIOkl2hyuQ2SOkKOMMO4M76vrBB4sG84Cjjrr5Cooeo4TdLwyGbLsC4IKgD93dHY66lUQye7gQxfqgfdcDhr7JeSOtLoL2dOn4KEdX2E+s0hp24j3RaUERsPnLLBmlYPceaYJVBB0Bja85p8ANn3rXgFX02kEqaSGAeywoGs7zjghYdqYoxyp68USCtMDZfX+wqHomav53fkBcWDSYx4NEBpkuAyLj3oSwSDIVsMM6ETVAp/3V/KG2tP/xRPRccI1IW7Comyr8PupE9052bbW/0yLHpX/1T1wRmQuskULa4oqcd/Z1pjLu6li0zqgDP49m5fmo+2NR3z50zFBYczLsBB6Rxx6y8Q5wRoE7LCaylhM5BnTs7cGdmZP1RZzdygeLXOjW9fg94jYXUnjjbBHRcJ5nImVKBA67fFgkL/HzIE4KRW7vM0/i/kQ0WSPHg75KldHdqc+h7pfZ0jKs/GuDM3hvNSLizSEqoroE1Yia7ELf00kIWS/o09z+EmLA6bC3hMh9TwRskDq51x47e4Zzhc73Qt64wyByPOjmUVT6cZZkcQV+0zxNflX05qgD36tSe3MilcCr1FLEe9sPRDYYjmgwD1wjMl1hm4h0ugF43PETVd6wB3RbKES2Pu+2cr9waHFBWESO+8JtyxrkckFYRDa8dxAAoRHNH3hRNTHkUIlsY9Z3TqR6LzcFokScSsKi4TzPRMYske0VT78XJJkJZ8uTzojV6FdEtmNkE9/diqLUzJTpAtmzalQyF6FvI5ETA9+OpraQwTYhwRvQMYqryX6sNn8vq8AynnqoGuXuCY7N/vMR3R7N47DzePR04J+gjJt4rM7V3SzwzbC8FzYtb2Z1jQtDd3nLDOLmD1E9v90++qfT4Lfh5N+cq/508shXb5st6Ll1cWa2RYu2EUo0p6QfkF2EP7sIf3YR/hCRs3ZXFoqzYdEGR92su1D4Q486yzq1D/L0iS85W67R2l1ZKLsIfzYs4l05+bg8rpxU/lZS3UXbyvZE/wFXu+LXNTDaDQAAAABJRU5ErkJggg=="/>
+          <p:cNvSpPr>
+            <a:spLocks noChangeAspect="1" noChangeArrowheads="1"/>
+          </p:cNvSpPr>
+          <p:nvPr/>
+        </p:nvSpPr>
+        <p:spPr bwMode="auto">
+          <a:xfrm>
+            <a:off x="155575" y="-144463"/>
+            <a:ext cx="304800" cy="304801"/>
+          </a:xfrm>
+          <a:prstGeom prst="rect">
+            <a:avLst/>
+          </a:prstGeom>
+          <a:noFill/>
+          <a:extLst>
+            <a:ext uri="{909E8E84-426E-40DD-AFC4-6F175D3DCCD1}">
+              <a14:hiddenFill xmlns:a14="http://schemas.microsoft.com/office/drawing/2010/main">
+                <a:solidFill>
+                  <a:srgbClr val="FFFFFF"/>
+                </a:solidFill>
+              </a14:hiddenFill>
+            </a:ext>
+          </a:extLst>
+        </p:spPr>
+        <p:txBody>
+          <a:bodyPr vert="horz" wrap="square" lIns="91440" tIns="45720" rIns="91440" bIns="45720" numCol="1" anchor="t" anchorCtr="0" compatLnSpc="1">
+            <a:prstTxWarp prst="textNoShape">
+              <a:avLst/>
+            </a:prstTxWarp>
+          </a:bodyPr>
+          <a:lstStyle/>
+          <a:p>
+            <a:endParaRPr lang="en-US" sz="1200" dirty="0"/>
+          </a:p>
+        </p:txBody>
+      </p:sp>
+      <p:sp>
+        <p:nvSpPr>
+          <p:cNvPr id="2" name="AutoShape 2" descr="Image result for file"/>
+          <p:cNvSpPr>
+            <a:spLocks noChangeAspect="1" noChangeArrowheads="1"/>
+          </p:cNvSpPr>
+          <p:nvPr/>
+        </p:nvSpPr>
+        <p:spPr bwMode="auto">
+          <a:xfrm>
+            <a:off x="307975" y="7937"/>
+            <a:ext cx="304800" cy="304801"/>
+          </a:xfrm>
+          <a:prstGeom prst="rect">
+            <a:avLst/>
+          </a:prstGeom>
+          <a:noFill/>
+          <a:extLst>
+            <a:ext uri="{909E8E84-426E-40DD-AFC4-6F175D3DCCD1}">
+              <a14:hiddenFill xmlns:a14="http://schemas.microsoft.com/office/drawing/2010/main">
+                <a:solidFill>
+                  <a:srgbClr val="FFFFFF"/>
+                </a:solidFill>
+              </a14:hiddenFill>
+            </a:ext>
+          </a:extLst>
+        </p:spPr>
+        <p:txBody>
+          <a:bodyPr vert="horz" wrap="square" lIns="91440" tIns="45720" rIns="91440" bIns="45720" numCol="1" anchor="t" anchorCtr="0" compatLnSpc="1">
+            <a:prstTxWarp prst="textNoShape">
+              <a:avLst/>
+            </a:prstTxWarp>
+          </a:bodyPr>
+          <a:lstStyle/>
+          <a:p>
+            <a:endParaRPr lang="en-US" sz="1200" dirty="0"/>
+          </a:p>
+        </p:txBody>
+      </p:sp>
+      <p:sp>
+        <p:nvSpPr>
+          <p:cNvPr id="4" name="AutoShape 4" descr="Image result for file"/>
+          <p:cNvSpPr>
+            <a:spLocks noChangeAspect="1" noChangeArrowheads="1"/>
+          </p:cNvSpPr>
+          <p:nvPr/>
+        </p:nvSpPr>
+        <p:spPr bwMode="auto">
+          <a:xfrm>
+            <a:off x="460375" y="160337"/>
+            <a:ext cx="304800" cy="304801"/>
+          </a:xfrm>
+          <a:prstGeom prst="rect">
+            <a:avLst/>
+          </a:prstGeom>
+          <a:noFill/>
+          <a:extLst>
+            <a:ext uri="{909E8E84-426E-40DD-AFC4-6F175D3DCCD1}">
+              <a14:hiddenFill xmlns:a14="http://schemas.microsoft.com/office/drawing/2010/main">
+                <a:solidFill>
+                  <a:srgbClr val="FFFFFF"/>
+                </a:solidFill>
+              </a14:hiddenFill>
+            </a:ext>
+          </a:extLst>
+        </p:spPr>
+        <p:txBody>
+          <a:bodyPr vert="horz" wrap="square" lIns="91440" tIns="45720" rIns="91440" bIns="45720" numCol="1" anchor="t" anchorCtr="0" compatLnSpc="1">
+            <a:prstTxWarp prst="textNoShape">
+              <a:avLst/>
+            </a:prstTxWarp>
+          </a:bodyPr>
+          <a:lstStyle/>
+          <a:p>
+            <a:endParaRPr lang="en-US" sz="1200" dirty="0"/>
+          </a:p>
+        </p:txBody>
+      </p:sp>
+      <p:sp>
+        <p:nvSpPr>
+          <p:cNvPr id="6" name="AutoShape 4" descr="Image result for xml symbol"/>
+          <p:cNvSpPr>
+            <a:spLocks noChangeAspect="1" noChangeArrowheads="1"/>
+          </p:cNvSpPr>
+          <p:nvPr/>
+        </p:nvSpPr>
+        <p:spPr bwMode="auto">
+          <a:xfrm>
+            <a:off x="-755650" y="465137"/>
+            <a:ext cx="304800" cy="304801"/>
+          </a:xfrm>
+          <a:prstGeom prst="rect">
+            <a:avLst/>
+          </a:prstGeom>
+          <a:noFill/>
+          <a:extLst>
+            <a:ext uri="{909E8E84-426E-40DD-AFC4-6F175D3DCCD1}">
+              <a14:hiddenFill xmlns:a14="http://schemas.microsoft.com/office/drawing/2010/main">
+                <a:solidFill>
+                  <a:srgbClr val="FFFFFF"/>
+                </a:solidFill>
+              </a14:hiddenFill>
+            </a:ext>
+          </a:extLst>
+        </p:spPr>
+        <p:txBody>
+          <a:bodyPr vert="horz" wrap="square" lIns="91440" tIns="45720" rIns="91440" bIns="45720" numCol="1" anchor="t" anchorCtr="0" compatLnSpc="1">
+            <a:prstTxWarp prst="textNoShape">
+              <a:avLst/>
+            </a:prstTxWarp>
+          </a:bodyPr>
+          <a:lstStyle/>
+          <a:p>
+            <a:endParaRPr lang="en-US" sz="1200"/>
+          </a:p>
+        </p:txBody>
+      </p:sp>
+      <p:sp>
+        <p:nvSpPr>
+          <p:cNvPr id="11" name="Rectangle 10">
+            <a:extLst>
+              <a:ext uri="{FF2B5EF4-FFF2-40B4-BE49-F238E27FC236}">
+                <a16:creationId xmlns:a16="http://schemas.microsoft.com/office/drawing/2014/main" id="{7142775A-ED08-4E7D-9A8D-92D911BD49C8}"/>
+              </a:ext>
+            </a:extLst>
+          </p:cNvPr>
+          <p:cNvSpPr/>
+          <p:nvPr/>
+        </p:nvSpPr>
+        <p:spPr>
+          <a:xfrm>
+            <a:off x="1712068" y="0"/>
+            <a:ext cx="5946775" cy="307777"/>
+          </a:xfrm>
+          <a:prstGeom prst="rect">
+            <a:avLst/>
+          </a:prstGeom>
+        </p:spPr>
+        <p:style>
+          <a:lnRef idx="1">
+            <a:schemeClr val="accent4"/>
+          </a:lnRef>
+          <a:fillRef idx="3">
+            <a:schemeClr val="accent4"/>
+          </a:fillRef>
+          <a:effectRef idx="2">
+            <a:schemeClr val="accent4"/>
+          </a:effectRef>
+          <a:fontRef idx="minor">
+            <a:schemeClr val="lt1"/>
+          </a:fontRef>
+        </p:style>
+        <p:txBody>
+          <a:bodyPr wrap="square">
+            <a:spAutoFit/>
+          </a:bodyPr>
+          <a:lstStyle>
+            <a:defPPr>
+              <a:defRPr lang="en-US"/>
+            </a:defPPr>
+            <a:lvl1pPr marL="0" algn="l" defTabSz="914400" rtl="0" eaLnBrk="1" latinLnBrk="0" hangingPunct="1">
+              <a:defRPr sz="1800" kern="1200">
+                <a:solidFill>
+                  <a:schemeClr val="lt1"/>
+                </a:solidFill>
+                <a:latin typeface="+mn-lt"/>
+                <a:ea typeface="+mn-ea"/>
+                <a:cs typeface="+mn-cs"/>
+              </a:defRPr>
+            </a:lvl1pPr>
+            <a:lvl2pPr marL="457200" algn="l" defTabSz="914400" rtl="0" eaLnBrk="1" latinLnBrk="0" hangingPunct="1">
+              <a:defRPr sz="1800" kern="1200">
+                <a:solidFill>
+                  <a:schemeClr val="lt1"/>
+                </a:solidFill>
+                <a:latin typeface="+mn-lt"/>
+                <a:ea typeface="+mn-ea"/>
+                <a:cs typeface="+mn-cs"/>
+              </a:defRPr>
+            </a:lvl2pPr>
+            <a:lvl3pPr marL="914400" algn="l" defTabSz="914400" rtl="0" eaLnBrk="1" latinLnBrk="0" hangingPunct="1">
+              <a:defRPr sz="1800" kern="1200">
+                <a:solidFill>
+                  <a:schemeClr val="lt1"/>
+                </a:solidFill>
+                <a:latin typeface="+mn-lt"/>
+                <a:ea typeface="+mn-ea"/>
+                <a:cs typeface="+mn-cs"/>
+              </a:defRPr>
+            </a:lvl3pPr>
+            <a:lvl4pPr marL="1371600" algn="l" defTabSz="914400" rtl="0" eaLnBrk="1" latinLnBrk="0" hangingPunct="1">
+              <a:defRPr sz="1800" kern="1200">
+                <a:solidFill>
+                  <a:schemeClr val="lt1"/>
+                </a:solidFill>
+                <a:latin typeface="+mn-lt"/>
+                <a:ea typeface="+mn-ea"/>
+                <a:cs typeface="+mn-cs"/>
+              </a:defRPr>
+            </a:lvl4pPr>
+            <a:lvl5pPr marL="1828800" algn="l" defTabSz="914400" rtl="0" eaLnBrk="1" latinLnBrk="0" hangingPunct="1">
+              <a:defRPr sz="1800" kern="1200">
+                <a:solidFill>
+                  <a:schemeClr val="lt1"/>
+                </a:solidFill>
+                <a:latin typeface="+mn-lt"/>
+                <a:ea typeface="+mn-ea"/>
+                <a:cs typeface="+mn-cs"/>
+              </a:defRPr>
+            </a:lvl5pPr>
+            <a:lvl6pPr marL="2286000" algn="l" defTabSz="914400" rtl="0" eaLnBrk="1" latinLnBrk="0" hangingPunct="1">
+              <a:defRPr sz="1800" kern="1200">
+                <a:solidFill>
+                  <a:schemeClr val="lt1"/>
+                </a:solidFill>
+                <a:latin typeface="+mn-lt"/>
+                <a:ea typeface="+mn-ea"/>
+                <a:cs typeface="+mn-cs"/>
+              </a:defRPr>
+            </a:lvl6pPr>
+            <a:lvl7pPr marL="2743200" algn="l" defTabSz="914400" rtl="0" eaLnBrk="1" latinLnBrk="0" hangingPunct="1">
+              <a:defRPr sz="1800" kern="1200">
+                <a:solidFill>
+                  <a:schemeClr val="lt1"/>
+                </a:solidFill>
+                <a:latin typeface="+mn-lt"/>
+                <a:ea typeface="+mn-ea"/>
+                <a:cs typeface="+mn-cs"/>
+              </a:defRPr>
+            </a:lvl7pPr>
+            <a:lvl8pPr marL="3200400" algn="l" defTabSz="914400" rtl="0" eaLnBrk="1" latinLnBrk="0" hangingPunct="1">
+              <a:defRPr sz="1800" kern="1200">
+                <a:solidFill>
+                  <a:schemeClr val="lt1"/>
+                </a:solidFill>
+                <a:latin typeface="+mn-lt"/>
+                <a:ea typeface="+mn-ea"/>
+                <a:cs typeface="+mn-cs"/>
+              </a:defRPr>
+            </a:lvl8pPr>
+            <a:lvl9pPr marL="3657600" algn="l" defTabSz="914400" rtl="0" eaLnBrk="1" latinLnBrk="0" hangingPunct="1">
+              <a:defRPr sz="1800" kern="1200">
+                <a:solidFill>
+                  <a:schemeClr val="lt1"/>
+                </a:solidFill>
+                <a:latin typeface="+mn-lt"/>
+                <a:ea typeface="+mn-ea"/>
+                <a:cs typeface="+mn-cs"/>
+              </a:defRPr>
+            </a:lvl9pPr>
+          </a:lstStyle>
+          <a:p>
+            <a:pPr algn="ctr"/>
+            <a:r>
+              <a:rPr lang="en-US" sz="1400" dirty="0"/>
+              <a:t>Model One-to-One Relationships with Embedded Documents (Subset Pattern)</a:t>
+            </a:r>
+          </a:p>
+        </p:txBody>
+      </p:sp>
+      <p:sp>
+        <p:nvSpPr>
+          <p:cNvPr id="5" name="Rectangle 4">
+            <a:extLst>
+              <a:ext uri="{FF2B5EF4-FFF2-40B4-BE49-F238E27FC236}">
+                <a16:creationId xmlns:a16="http://schemas.microsoft.com/office/drawing/2014/main" id="{95ABE1DF-6862-4F36-B9EF-2B9E34CF9CE3}"/>
+              </a:ext>
+            </a:extLst>
+          </p:cNvPr>
+          <p:cNvSpPr/>
+          <p:nvPr/>
+        </p:nvSpPr>
+        <p:spPr>
+          <a:xfrm>
+            <a:off x="155575" y="339373"/>
+            <a:ext cx="8375650" cy="4555093"/>
+          </a:xfrm>
+          <a:prstGeom prst="rect">
+            <a:avLst/>
+          </a:prstGeom>
+          <a:ln w="3175">
+            <a:solidFill>
+              <a:schemeClr val="accent1"/>
+            </a:solidFill>
+          </a:ln>
+        </p:spPr>
+        <p:style>
+          <a:lnRef idx="2">
+            <a:schemeClr val="accent4"/>
+          </a:lnRef>
+          <a:fillRef idx="1">
+            <a:schemeClr val="lt1"/>
+          </a:fillRef>
+          <a:effectRef idx="0">
+            <a:schemeClr val="accent4"/>
+          </a:effectRef>
+          <a:fontRef idx="minor">
+            <a:schemeClr val="dk1"/>
+          </a:fontRef>
+        </p:style>
+        <p:txBody>
+          <a:bodyPr wrap="square">
+            <a:spAutoFit/>
+          </a:bodyPr>
+          <a:lstStyle/>
+          <a:p>
+            <a:r>
+              <a:rPr lang="en-US" sz="1000" dirty="0"/>
+              <a:t>{</a:t>
+            </a:r>
+          </a:p>
+          <a:p>
+            <a:r>
+              <a:rPr lang="en-US" sz="1000" dirty="0"/>
+              <a:t>  "_id": 1,</a:t>
+            </a:r>
+          </a:p>
+          <a:p>
+            <a:r>
+              <a:rPr lang="en-US" sz="1000" dirty="0"/>
+              <a:t>  "title": "The Arrival of a Train",</a:t>
+            </a:r>
+          </a:p>
+          <a:p>
+            <a:r>
+              <a:rPr lang="en-US" sz="1000" dirty="0"/>
+              <a:t>  "year": 1896,</a:t>
+            </a:r>
+          </a:p>
+          <a:p>
+            <a:r>
+              <a:rPr lang="en-US" sz="1000" dirty="0"/>
+              <a:t>  "runtime": 1,</a:t>
+            </a:r>
+          </a:p>
+          <a:p>
+            <a:r>
+              <a:rPr lang="en-US" sz="1000" dirty="0"/>
+              <a:t>  "released": </a:t>
+            </a:r>
+            <a:r>
+              <a:rPr lang="en-US" sz="1000" dirty="0" err="1"/>
+              <a:t>ISODate</a:t>
+            </a:r>
+            <a:r>
+              <a:rPr lang="en-US" sz="1000" dirty="0"/>
+              <a:t>("01-25-1896"),</a:t>
+            </a:r>
+          </a:p>
+          <a:p>
+            <a:r>
+              <a:rPr lang="en-US" sz="1000" dirty="0"/>
+              <a:t>  "poster": "http://ia.media-imdb.com/images/M/MV5BMjEyNDk5MDYzOV5BMl5BanBnXkFtZTgwNjIxMTEwMzE@._V1_SX300.jpg",</a:t>
+            </a:r>
+          </a:p>
+          <a:p>
+            <a:r>
+              <a:rPr lang="en-US" sz="1000" dirty="0"/>
+              <a:t>  "plot": "A group of people are standing in a straight line along the platform of a railway station, waiting for a train, which is seen coming at some distance. When the train stops at the platform, ...",</a:t>
+            </a:r>
+          </a:p>
+          <a:p>
+            <a:r>
+              <a:rPr lang="en-US" sz="1000" dirty="0"/>
+              <a:t>  "</a:t>
+            </a:r>
+            <a:r>
+              <a:rPr lang="en-US" sz="1000" dirty="0" err="1"/>
+              <a:t>fullplot</a:t>
+            </a:r>
+            <a:r>
+              <a:rPr lang="en-US" sz="1000" dirty="0"/>
+              <a:t>": "A group of people are standing in a straight line along the platform of a railway station, waiting for a train, which is seen coming at some distance. When the train stops at the platform, the line dissolves. The doors of the railway-cars open, and people on the platform help passengers to get off.",</a:t>
+            </a:r>
+          </a:p>
+          <a:p>
+            <a:r>
+              <a:rPr lang="en-US" sz="1000" dirty="0"/>
+              <a:t>  "</a:t>
+            </a:r>
+            <a:r>
+              <a:rPr lang="en-US" sz="1000" dirty="0" err="1"/>
+              <a:t>lastupdated</a:t>
+            </a:r>
+            <a:r>
+              <a:rPr lang="en-US" sz="1000" dirty="0"/>
+              <a:t>": </a:t>
+            </a:r>
+            <a:r>
+              <a:rPr lang="en-US" sz="1000" dirty="0" err="1"/>
+              <a:t>ISODate</a:t>
+            </a:r>
+            <a:r>
+              <a:rPr lang="en-US" sz="1000" dirty="0"/>
+              <a:t>("2015-08-15T10:06:53"),</a:t>
+            </a:r>
+          </a:p>
+          <a:p>
+            <a:r>
+              <a:rPr lang="en-US" sz="1000" dirty="0"/>
+              <a:t>  "type": "movie",</a:t>
+            </a:r>
+          </a:p>
+          <a:p>
+            <a:r>
+              <a:rPr lang="en-US" sz="1000" dirty="0"/>
+              <a:t>  "directors": [ "Auguste Lumière", "Louis Lumière" ],</a:t>
+            </a:r>
+          </a:p>
+          <a:p>
+            <a:r>
+              <a:rPr lang="en-US" sz="1000" dirty="0"/>
+              <a:t>  "</a:t>
+            </a:r>
+            <a:r>
+              <a:rPr lang="en-US" sz="1000" dirty="0" err="1"/>
+              <a:t>imdb</a:t>
+            </a:r>
+            <a:r>
+              <a:rPr lang="en-US" sz="1000" dirty="0"/>
+              <a:t>": {</a:t>
+            </a:r>
+          </a:p>
+          <a:p>
+            <a:r>
+              <a:rPr lang="en-US" sz="1000" dirty="0"/>
+              <a:t>    "rating": 7.3,</a:t>
+            </a:r>
+          </a:p>
+          <a:p>
+            <a:r>
+              <a:rPr lang="en-US" sz="1000" dirty="0"/>
+              <a:t>    "votes": 5043,</a:t>
+            </a:r>
+          </a:p>
+          <a:p>
+            <a:r>
+              <a:rPr lang="en-US" sz="1000" dirty="0"/>
+              <a:t>    "id": 12</a:t>
+            </a:r>
+          </a:p>
+          <a:p>
+            <a:r>
+              <a:rPr lang="en-US" sz="1000" dirty="0"/>
+              <a:t>  },</a:t>
+            </a:r>
+          </a:p>
+          <a:p>
+            <a:r>
+              <a:rPr lang="en-US" sz="1000" dirty="0"/>
+              <a:t>  "countries": [ "France" ],</a:t>
+            </a:r>
+          </a:p>
+          <a:p>
+            <a:r>
+              <a:rPr lang="en-US" sz="1000" dirty="0"/>
+              <a:t>  "genres": [ "Documentary", "Short" ],</a:t>
+            </a:r>
+          </a:p>
+          <a:p>
+            <a:r>
+              <a:rPr lang="en-US" sz="1000" dirty="0"/>
+              <a:t>  "tomatoes": {</a:t>
+            </a:r>
+          </a:p>
+          <a:p>
+            <a:r>
+              <a:rPr lang="en-US" sz="1000" dirty="0"/>
+              <a:t>    "viewer": {</a:t>
+            </a:r>
+          </a:p>
+          <a:p>
+            <a:r>
+              <a:rPr lang="en-US" sz="1000" dirty="0"/>
+              <a:t>      "rating": 3.7,</a:t>
+            </a:r>
+          </a:p>
+          <a:p>
+            <a:r>
+              <a:rPr lang="en-US" sz="1000" dirty="0"/>
+              <a:t>      "</a:t>
+            </a:r>
+            <a:r>
+              <a:rPr lang="en-US" sz="1000" dirty="0" err="1"/>
+              <a:t>numReviews</a:t>
+            </a:r>
+            <a:r>
+              <a:rPr lang="en-US" sz="1000" dirty="0"/>
+              <a:t>": 59</a:t>
+            </a:r>
+          </a:p>
+          <a:p>
+            <a:r>
+              <a:rPr lang="en-US" sz="1000" dirty="0"/>
+              <a:t>    },</a:t>
+            </a:r>
+          </a:p>
+          <a:p>
+            <a:r>
+              <a:rPr lang="en-US" sz="1000" dirty="0"/>
+              <a:t>    "</a:t>
+            </a:r>
+            <a:r>
+              <a:rPr lang="en-US" sz="1000" dirty="0" err="1"/>
+              <a:t>lastUpdated</a:t>
+            </a:r>
+            <a:r>
+              <a:rPr lang="en-US" sz="1000" dirty="0"/>
+              <a:t>": </a:t>
+            </a:r>
+            <a:r>
+              <a:rPr lang="en-US" sz="1000" dirty="0" err="1"/>
+              <a:t>ISODate</a:t>
+            </a:r>
+            <a:r>
+              <a:rPr lang="en-US" sz="1000" dirty="0"/>
+              <a:t>("2020-01-09T00:02:53")</a:t>
+            </a:r>
+          </a:p>
+          <a:p>
+            <a:r>
+              <a:rPr lang="en-US" sz="1000" dirty="0"/>
+              <a:t>  }</a:t>
+            </a:r>
+          </a:p>
+          <a:p>
+            <a:r>
+              <a:rPr lang="en-US" sz="1000" dirty="0"/>
+              <a:t>}</a:t>
+            </a:r>
+          </a:p>
+        </p:txBody>
+      </p:sp>
+      <p:sp>
+        <p:nvSpPr>
+          <p:cNvPr id="7" name="Rectangle 6">
+            <a:extLst>
+              <a:ext uri="{FF2B5EF4-FFF2-40B4-BE49-F238E27FC236}">
+                <a16:creationId xmlns:a16="http://schemas.microsoft.com/office/drawing/2014/main" id="{0E590439-9BD6-4CFA-9B3D-4ECA2512FAFA}"/>
+              </a:ext>
+            </a:extLst>
+          </p:cNvPr>
+          <p:cNvSpPr/>
+          <p:nvPr/>
+        </p:nvSpPr>
+        <p:spPr>
+          <a:xfrm>
+            <a:off x="3886200" y="3623027"/>
+            <a:ext cx="4495800" cy="1066800"/>
+          </a:xfrm>
+          <a:prstGeom prst="rect">
+            <a:avLst/>
+          </a:prstGeom>
+        </p:spPr>
+        <p:style>
+          <a:lnRef idx="1">
+            <a:schemeClr val="accent2"/>
+          </a:lnRef>
+          <a:fillRef idx="3">
+            <a:schemeClr val="accent2"/>
+          </a:fillRef>
+          <a:effectRef idx="2">
+            <a:schemeClr val="accent2"/>
+          </a:effectRef>
+          <a:fontRef idx="minor">
+            <a:schemeClr val="lt1"/>
+          </a:fontRef>
+        </p:style>
+        <p:txBody>
+          <a:bodyPr rtlCol="0" anchor="ctr"/>
+          <a:lstStyle/>
+          <a:p>
+            <a:r>
+              <a:rPr lang="en-US" sz="1200" dirty="0"/>
+              <a:t>Currently, the movie collection contains several fields that the application does not need to show a simple overview of a movie, such as </a:t>
+            </a:r>
+            <a:r>
+              <a:rPr lang="en-US" sz="1200" dirty="0" err="1"/>
+              <a:t>fullplot</a:t>
+            </a:r>
+            <a:r>
+              <a:rPr lang="en-US" sz="1200" dirty="0"/>
+              <a:t> and rating information. Instead of storing all of the movie data in a single collection, you can split the collection into two collections:</a:t>
+            </a:r>
+          </a:p>
+        </p:txBody>
+      </p:sp>
+    </p:spTree>
+    <p:extLst>
+      <p:ext uri="{BB962C8B-B14F-4D97-AF65-F5344CB8AC3E}">
+        <p14:creationId xmlns:p14="http://schemas.microsoft.com/office/powerpoint/2010/main" val="1339358066"/>
+      </p:ext>
+    </p:extLst>
+  </p:cSld>
+  <p:clrMapOvr>
+    <a:masterClrMapping/>
+  </p:clrMapOvr>
+</p:sld>
+</file>
+
+<file path=ppt/slides/slide5.xml><?xml version="1.0" encoding="utf-8"?>
+<p:sld xmlns:a="http://schemas.openxmlformats.org/drawingml/2006/main" xmlns:r="http://schemas.openxmlformats.org/officeDocument/2006/relationships" xmlns:p="http://schemas.openxmlformats.org/presentationml/2006/main">
+  <p:cSld>
+    <p:spTree>
+      <p:nvGrpSpPr>
+        <p:cNvPr id="1" name=""/>
+        <p:cNvGrpSpPr/>
+        <p:nvPr/>
+      </p:nvGrpSpPr>
+      <p:grpSpPr>
+        <a:xfrm>
+          <a:off x="0" y="0"/>
+          <a:ext cx="0" cy="0"/>
+          <a:chOff x="0" y="0"/>
+          <a:chExt cx="0" cy="0"/>
+        </a:xfrm>
+      </p:grpSpPr>
+      <p:sp>
+        <p:nvSpPr>
+          <p:cNvPr id="3" name="AutoShape 2" descr="data:image/png;base64,iVBORw0KGgoAAAANSUhEUgAAANEAAADxCAMAAABiSKLrAAAAbFBMVEWIiIj////6+vr29vb19fX4+Pj5+fnu7u77+/v39/f9/f3z8/P+/v709PT8/Pyqqqrt7e3v7+/w8PDx8fHy8vK+vr7Q0NCjo6OBgYHY2Njk5OTHx8eNjY3c3NzGxsbn5+eWlpa1tbWcnJx6enob4+f+AAAIqklEQVR4nO3dCZuaOhQGYEZAh0FkX2W1//8/lkVMICeIkRmOPHz22lYg5OVEZLFzJRNrnC+xSGt3nJvQekMUYktnEiM1ouDrjCs/pukLkzoRtpjmNRcloRUFoiS8oo5UvLwsYpEgCaXoHLYiMRJqkRAJt0iEhFwkQMIqCgJRElpRLErCL3r1oxavSJSEWCRIQikyOtGQNPd8CaXICc04FiXhFomQkIsESChFbmhmwiT0opf3eBivMzSjLuORnh49oKxRKxIloayR24oESShFRScSI6EUJaGZCJNwiwhp/skFcpFAlbCLXiehF71MQisSJiEVVYkwqRP9oEpXI1HSXXRuWjo/2jz3f3v8YfjS7871lbU1EiT1IjrAKrvX/2iurzisijkk8OQC5ah7iERIyEUCJOyi10noRU9J490DUpFPRAApniJhFVnzSaOdOF6RKAmlKGhFgiTMohdIyYeIhEh30aV99E9NLo8VXLqn++Q/mIuIREid6DJsv32s91Ityi1hEtJRl5+ESX2NMKUR2ZYoCbNIjIRV5FiiJIyicx7mriVEKnCKfvxadBIloRQ1NTqJkcICpcgPr7rjOPYJZnFNbZVwikw/YHNlXmDi4xW9kU70jSnNqOu/xL4R0aWg3yNMgNHWp0I66i7Dy5PsdXFuApw1Eg8RndfuykLZa4Q/512EPrsIfzYtOmwje43wh4h+1u7KQvm5bk601wh9NlijXYQ+uwh/HqLrZkTXh+h4PDQP8lQ/PvAlSrT2xl0oRHQ5biOXXYQ+uwh/dhH+7CL82bRI3Ua2XKPvtTfuQvneReizi/BnF+HPLsKfTYu0bYQWsd5PfImIDmtv3IVy2EXos4vwZxfhzy7CH0okbyO7CH+2/D46rr1xF8pxF6HPLsKfXYQ/uwh/KJGyjWxatPZwWShEpK69cReKuovQZxfhzy7Cn12EP0SkGduItmHRzFF3P3r63ZHzTl4YdYqsHg/e/YdF2e7xcFRVrba109gMFp2evGhmjzpFVZLcvJVpl7K8hWaVB1liNVNdJh7VZ4Wd7P4aaa5I866lFEnDRHWksC5eVgtH8VWy8PHGTE5V/rr+QqSocTnm9CpTM+SMmRhVVJcPKbPYv5VFcs7x1F3P1eeikl1sXZHGB0lRLH+eSI75ICk6KZ8nctkOkaQN+cNEWjBRIimU0YpkHY4hmxOgqNIMHRaRJo6giLO+dyM/F1nsvpfqWVAv92Eihe0u3bNE+TgR/FkURfWhUHPMIBsguh6N0yKNs7o/EGkVIEpj+XA8fltJ0GzqDxMdQwBka+2gqQ/p9FYkpaNIiEXuje3OddQfg738rFCTcYmME9sdKXntbY1MBOy802JrotJ6bSUiInLia7y2+aZEbXuyxXbn5vXXGQazDs+6xUWGoql2kXU/DDrOssLWNFmZ65oQufeflwvU6PHDdO8ki/0xu/Rb7RVRvZNJgupW7y3bU+T6JLnej97MPLNUhbPIbJEV9U2y/eknHds5lfhfNMo/sb23oRX5LQXWGUmpGdtz3nxEpOiep7eP+5MFUEZJj+0SCnsCVX/CkrZUQFRvQG+8RkNOzHTi5LL0rW6x8YL0bwolGtdolqir0fQxAyQCNrdsVczFmdFS6fXp+4kSecPMEqntrAYkkklTYI288frkYKI+j+XCYtzRUdCIdMV/7mkWTDNmY6AU6bo5C9QknqwSEpFuzAdJUjZFQiJSoFMWfhIDu0ievDjD5ubquEV6AjVet3krU3B/Hvn8cYdDBJxUSlKVaJqmWvENMiXcImEQKcCYi26W1nZaN9SAXXFkcos0JZpxXLeICDpLDnVSBDkDusAtEhGN72p5J78LcMbn9+nudemgiDSlASLF66cC20NKbZ3qCnAnIfKp9gcxiIjVPj8/8mbVCBY9VsNes42C4YgBrgyUJ06NpkRdCuD8yB418pYIOkl2hyuQ2SOkKOMMO4M76vrBB4sG84Cjjrr5Cooeo4TdLwyGbLsC4IKgD93dHY66lUQye7gQxfqgfdcDhr7JeSOtLoL2dOn4KEdX2E+s0hp24j3RaUERsPnLLBmlYPceaYJVBB0Bja85p8ANn3rXgFX02kEqaSGAeywoGs7zjghYdqYoxyp68USCtMDZfX+wqHomav53fkBcWDSYx4NEBpkuAyLj3oSwSDIVsMM6ETVAp/3V/KG2tP/xRPRccI1IW7Comyr8PupE9052bbW/0yLHpX/1T1wRmQuskULa4oqcd/Z1pjLu6li0zqgDP49m5fmo+2NR3z50zFBYczLsBB6Rxx6y8Q5wRoE7LCaylhM5BnTs7cGdmZP1RZzdygeLXOjW9fg94jYXUnjjbBHRcJ5nImVKBA67fFgkL/HzIE4KRW7vM0/i/kQ0WSPHg75KldHdqc+h7pfZ0jKs/GuDM3hvNSLizSEqoroE1Yia7ELf00kIWS/o09z+EmLA6bC3hMh9TwRskDq51x47e4Zzhc73Qt64wyByPOjmUVT6cZZkcQV+0zxNflX05qgD36tSe3MilcCr1FLEe9sPRDYYjmgwD1wjMl1hm4h0ugF43PETVd6wB3RbKES2Pu+2cr9waHFBWESO+8JtyxrkckFYRDa8dxAAoRHNH3hRNTHkUIlsY9Z3TqR6LzcFokScSsKi4TzPRMYske0VT78XJJkJZ8uTzojV6FdEtmNkE9/diqLUzJTpAtmzalQyF6FvI5ETA9+OpraQwTYhwRvQMYqryX6sNn8vq8AynnqoGuXuCY7N/vMR3R7N47DzePR04J+gjJt4rM7V3SzwzbC8FzYtb2Z1jQtDd3nLDOLmD1E9v90++qfT4Lfh5N+cq/508shXb5st6Ll1cWa2RYu2EUo0p6QfkF2EP7sIf3YR/hCRs3ZXFoqzYdEGR92su1D4Q486yzq1D/L0iS85W67R2l1ZKLsIfzYs4l05+bg8rpxU/lZS3UXbyvZE/wFXu+LXNTDaDQAAAABJRU5ErkJggg=="/>
+          <p:cNvSpPr>
+            <a:spLocks noChangeAspect="1" noChangeArrowheads="1"/>
+          </p:cNvSpPr>
+          <p:nvPr/>
+        </p:nvSpPr>
+        <p:spPr bwMode="auto">
+          <a:xfrm>
+            <a:off x="155575" y="-144463"/>
+            <a:ext cx="304800" cy="304801"/>
+          </a:xfrm>
+          <a:prstGeom prst="rect">
+            <a:avLst/>
+          </a:prstGeom>
+          <a:noFill/>
+          <a:extLst>
+            <a:ext uri="{909E8E84-426E-40DD-AFC4-6F175D3DCCD1}">
+              <a14:hiddenFill xmlns:a14="http://schemas.microsoft.com/office/drawing/2010/main">
+                <a:solidFill>
+                  <a:srgbClr val="FFFFFF"/>
+                </a:solidFill>
+              </a14:hiddenFill>
+            </a:ext>
+          </a:extLst>
+        </p:spPr>
+        <p:txBody>
+          <a:bodyPr vert="horz" wrap="square" lIns="91440" tIns="45720" rIns="91440" bIns="45720" numCol="1" anchor="t" anchorCtr="0" compatLnSpc="1">
+            <a:prstTxWarp prst="textNoShape">
+              <a:avLst/>
+            </a:prstTxWarp>
+          </a:bodyPr>
+          <a:lstStyle/>
+          <a:p>
+            <a:endParaRPr lang="en-US" sz="1200" dirty="0"/>
+          </a:p>
+        </p:txBody>
+      </p:sp>
+      <p:sp>
+        <p:nvSpPr>
+          <p:cNvPr id="2" name="AutoShape 2" descr="Image result for file"/>
+          <p:cNvSpPr>
+            <a:spLocks noChangeAspect="1" noChangeArrowheads="1"/>
+          </p:cNvSpPr>
+          <p:nvPr/>
+        </p:nvSpPr>
+        <p:spPr bwMode="auto">
+          <a:xfrm>
+            <a:off x="307975" y="7937"/>
+            <a:ext cx="304800" cy="304801"/>
+          </a:xfrm>
+          <a:prstGeom prst="rect">
+            <a:avLst/>
+          </a:prstGeom>
+          <a:noFill/>
+          <a:extLst>
+            <a:ext uri="{909E8E84-426E-40DD-AFC4-6F175D3DCCD1}">
+              <a14:hiddenFill xmlns:a14="http://schemas.microsoft.com/office/drawing/2010/main">
+                <a:solidFill>
+                  <a:srgbClr val="FFFFFF"/>
+                </a:solidFill>
+              </a14:hiddenFill>
+            </a:ext>
+          </a:extLst>
+        </p:spPr>
+        <p:txBody>
+          <a:bodyPr vert="horz" wrap="square" lIns="91440" tIns="45720" rIns="91440" bIns="45720" numCol="1" anchor="t" anchorCtr="0" compatLnSpc="1">
+            <a:prstTxWarp prst="textNoShape">
+              <a:avLst/>
+            </a:prstTxWarp>
+          </a:bodyPr>
+          <a:lstStyle/>
+          <a:p>
+            <a:endParaRPr lang="en-US" sz="1200" dirty="0"/>
+          </a:p>
+        </p:txBody>
+      </p:sp>
+      <p:sp>
+        <p:nvSpPr>
+          <p:cNvPr id="4" name="AutoShape 4" descr="Image result for file"/>
+          <p:cNvSpPr>
+            <a:spLocks noChangeAspect="1" noChangeArrowheads="1"/>
+          </p:cNvSpPr>
+          <p:nvPr/>
+        </p:nvSpPr>
+        <p:spPr bwMode="auto">
+          <a:xfrm>
+            <a:off x="460375" y="160337"/>
+            <a:ext cx="304800" cy="304801"/>
+          </a:xfrm>
+          <a:prstGeom prst="rect">
+            <a:avLst/>
+          </a:prstGeom>
+          <a:noFill/>
+          <a:extLst>
+            <a:ext uri="{909E8E84-426E-40DD-AFC4-6F175D3DCCD1}">
+              <a14:hiddenFill xmlns:a14="http://schemas.microsoft.com/office/drawing/2010/main">
+                <a:solidFill>
+                  <a:srgbClr val="FFFFFF"/>
+                </a:solidFill>
+              </a14:hiddenFill>
+            </a:ext>
+          </a:extLst>
+        </p:spPr>
+        <p:txBody>
+          <a:bodyPr vert="horz" wrap="square" lIns="91440" tIns="45720" rIns="91440" bIns="45720" numCol="1" anchor="t" anchorCtr="0" compatLnSpc="1">
+            <a:prstTxWarp prst="textNoShape">
+              <a:avLst/>
+            </a:prstTxWarp>
+          </a:bodyPr>
+          <a:lstStyle/>
+          <a:p>
+            <a:endParaRPr lang="en-US" sz="1200" dirty="0"/>
+          </a:p>
+        </p:txBody>
+      </p:sp>
+      <p:sp>
+        <p:nvSpPr>
+          <p:cNvPr id="6" name="AutoShape 4" descr="Image result for xml symbol"/>
+          <p:cNvSpPr>
+            <a:spLocks noChangeAspect="1" noChangeArrowheads="1"/>
+          </p:cNvSpPr>
+          <p:nvPr/>
+        </p:nvSpPr>
+        <p:spPr bwMode="auto">
+          <a:xfrm>
+            <a:off x="-755650" y="465137"/>
+            <a:ext cx="304800" cy="304801"/>
+          </a:xfrm>
+          <a:prstGeom prst="rect">
+            <a:avLst/>
+          </a:prstGeom>
+          <a:noFill/>
+          <a:extLst>
+            <a:ext uri="{909E8E84-426E-40DD-AFC4-6F175D3DCCD1}">
+              <a14:hiddenFill xmlns:a14="http://schemas.microsoft.com/office/drawing/2010/main">
+                <a:solidFill>
+                  <a:srgbClr val="FFFFFF"/>
+                </a:solidFill>
+              </a14:hiddenFill>
+            </a:ext>
+          </a:extLst>
+        </p:spPr>
+        <p:txBody>
+          <a:bodyPr vert="horz" wrap="square" lIns="91440" tIns="45720" rIns="91440" bIns="45720" numCol="1" anchor="t" anchorCtr="0" compatLnSpc="1">
+            <a:prstTxWarp prst="textNoShape">
+              <a:avLst/>
+            </a:prstTxWarp>
+          </a:bodyPr>
+          <a:lstStyle/>
+          <a:p>
+            <a:endParaRPr lang="en-US" sz="1200"/>
+          </a:p>
+        </p:txBody>
+      </p:sp>
+      <p:sp>
+        <p:nvSpPr>
+          <p:cNvPr id="11" name="Rectangle 10">
+            <a:extLst>
+              <a:ext uri="{FF2B5EF4-FFF2-40B4-BE49-F238E27FC236}">
+                <a16:creationId xmlns:a16="http://schemas.microsoft.com/office/drawing/2014/main" id="{7142775A-ED08-4E7D-9A8D-92D911BD49C8}"/>
+              </a:ext>
+            </a:extLst>
+          </p:cNvPr>
+          <p:cNvSpPr/>
+          <p:nvPr/>
+        </p:nvSpPr>
+        <p:spPr>
+          <a:xfrm>
+            <a:off x="1712068" y="0"/>
+            <a:ext cx="5946775" cy="307777"/>
+          </a:xfrm>
+          <a:prstGeom prst="rect">
+            <a:avLst/>
+          </a:prstGeom>
+        </p:spPr>
+        <p:style>
+          <a:lnRef idx="1">
+            <a:schemeClr val="accent4"/>
+          </a:lnRef>
+          <a:fillRef idx="3">
+            <a:schemeClr val="accent4"/>
+          </a:fillRef>
+          <a:effectRef idx="2">
+            <a:schemeClr val="accent4"/>
+          </a:effectRef>
+          <a:fontRef idx="minor">
+            <a:schemeClr val="lt1"/>
+          </a:fontRef>
+        </p:style>
+        <p:txBody>
+          <a:bodyPr wrap="square">
+            <a:spAutoFit/>
+          </a:bodyPr>
+          <a:lstStyle>
+            <a:defPPr>
+              <a:defRPr lang="en-US"/>
+            </a:defPPr>
+            <a:lvl1pPr marL="0" algn="l" defTabSz="914400" rtl="0" eaLnBrk="1" latinLnBrk="0" hangingPunct="1">
+              <a:defRPr sz="1800" kern="1200">
+                <a:solidFill>
+                  <a:schemeClr val="lt1"/>
+                </a:solidFill>
+                <a:latin typeface="+mn-lt"/>
+                <a:ea typeface="+mn-ea"/>
+                <a:cs typeface="+mn-cs"/>
+              </a:defRPr>
+            </a:lvl1pPr>
+            <a:lvl2pPr marL="457200" algn="l" defTabSz="914400" rtl="0" eaLnBrk="1" latinLnBrk="0" hangingPunct="1">
+              <a:defRPr sz="1800" kern="1200">
+                <a:solidFill>
+                  <a:schemeClr val="lt1"/>
+                </a:solidFill>
+                <a:latin typeface="+mn-lt"/>
+                <a:ea typeface="+mn-ea"/>
+                <a:cs typeface="+mn-cs"/>
+              </a:defRPr>
+            </a:lvl2pPr>
+            <a:lvl3pPr marL="914400" algn="l" defTabSz="914400" rtl="0" eaLnBrk="1" latinLnBrk="0" hangingPunct="1">
+              <a:defRPr sz="1800" kern="1200">
+                <a:solidFill>
+                  <a:schemeClr val="lt1"/>
+                </a:solidFill>
+                <a:latin typeface="+mn-lt"/>
+                <a:ea typeface="+mn-ea"/>
+                <a:cs typeface="+mn-cs"/>
+              </a:defRPr>
+            </a:lvl3pPr>
+            <a:lvl4pPr marL="1371600" algn="l" defTabSz="914400" rtl="0" eaLnBrk="1" latinLnBrk="0" hangingPunct="1">
+              <a:defRPr sz="1800" kern="1200">
+                <a:solidFill>
+                  <a:schemeClr val="lt1"/>
+                </a:solidFill>
+                <a:latin typeface="+mn-lt"/>
+                <a:ea typeface="+mn-ea"/>
+                <a:cs typeface="+mn-cs"/>
+              </a:defRPr>
+            </a:lvl4pPr>
+            <a:lvl5pPr marL="1828800" algn="l" defTabSz="914400" rtl="0" eaLnBrk="1" latinLnBrk="0" hangingPunct="1">
+              <a:defRPr sz="1800" kern="1200">
+                <a:solidFill>
+                  <a:schemeClr val="lt1"/>
+                </a:solidFill>
+                <a:latin typeface="+mn-lt"/>
+                <a:ea typeface="+mn-ea"/>
+                <a:cs typeface="+mn-cs"/>
+              </a:defRPr>
+            </a:lvl5pPr>
+            <a:lvl6pPr marL="2286000" algn="l" defTabSz="914400" rtl="0" eaLnBrk="1" latinLnBrk="0" hangingPunct="1">
+              <a:defRPr sz="1800" kern="1200">
+                <a:solidFill>
+                  <a:schemeClr val="lt1"/>
+                </a:solidFill>
+                <a:latin typeface="+mn-lt"/>
+                <a:ea typeface="+mn-ea"/>
+                <a:cs typeface="+mn-cs"/>
+              </a:defRPr>
+            </a:lvl6pPr>
+            <a:lvl7pPr marL="2743200" algn="l" defTabSz="914400" rtl="0" eaLnBrk="1" latinLnBrk="0" hangingPunct="1">
+              <a:defRPr sz="1800" kern="1200">
+                <a:solidFill>
+                  <a:schemeClr val="lt1"/>
+                </a:solidFill>
+                <a:latin typeface="+mn-lt"/>
+                <a:ea typeface="+mn-ea"/>
+                <a:cs typeface="+mn-cs"/>
+              </a:defRPr>
+            </a:lvl7pPr>
+            <a:lvl8pPr marL="3200400" algn="l" defTabSz="914400" rtl="0" eaLnBrk="1" latinLnBrk="0" hangingPunct="1">
+              <a:defRPr sz="1800" kern="1200">
+                <a:solidFill>
+                  <a:schemeClr val="lt1"/>
+                </a:solidFill>
+                <a:latin typeface="+mn-lt"/>
+                <a:ea typeface="+mn-ea"/>
+                <a:cs typeface="+mn-cs"/>
+              </a:defRPr>
+            </a:lvl8pPr>
+            <a:lvl9pPr marL="3657600" algn="l" defTabSz="914400" rtl="0" eaLnBrk="1" latinLnBrk="0" hangingPunct="1">
+              <a:defRPr sz="1800" kern="1200">
+                <a:solidFill>
+                  <a:schemeClr val="lt1"/>
+                </a:solidFill>
+                <a:latin typeface="+mn-lt"/>
+                <a:ea typeface="+mn-ea"/>
+                <a:cs typeface="+mn-cs"/>
+              </a:defRPr>
+            </a:lvl9pPr>
+          </a:lstStyle>
+          <a:p>
+            <a:pPr algn="ctr"/>
+            <a:r>
+              <a:rPr lang="en-US" sz="1400" dirty="0"/>
+              <a:t>Model One-to-One Relationships with Embedded Documents (Subset Pattern)</a:t>
+            </a:r>
+          </a:p>
+        </p:txBody>
+      </p:sp>
+      <p:sp>
+        <p:nvSpPr>
+          <p:cNvPr id="5" name="Rectangle 4">
+            <a:extLst>
+              <a:ext uri="{FF2B5EF4-FFF2-40B4-BE49-F238E27FC236}">
+                <a16:creationId xmlns:a16="http://schemas.microsoft.com/office/drawing/2014/main" id="{CFB9048E-CAA5-4B25-BAE3-7AC95A42E73A}"/>
+              </a:ext>
+            </a:extLst>
+          </p:cNvPr>
+          <p:cNvSpPr/>
+          <p:nvPr/>
+        </p:nvSpPr>
+        <p:spPr>
+          <a:xfrm>
+            <a:off x="29183" y="381497"/>
+            <a:ext cx="3338209" cy="2292935"/>
+          </a:xfrm>
+          <a:prstGeom prst="rect">
+            <a:avLst/>
+          </a:prstGeom>
+          <a:ln w="3175"/>
+        </p:spPr>
+        <p:style>
+          <a:lnRef idx="2">
+            <a:schemeClr val="accent4"/>
+          </a:lnRef>
+          <a:fillRef idx="1">
+            <a:schemeClr val="lt1"/>
+          </a:fillRef>
+          <a:effectRef idx="0">
+            <a:schemeClr val="accent4"/>
+          </a:effectRef>
+          <a:fontRef idx="minor">
+            <a:schemeClr val="dk1"/>
+          </a:fontRef>
+        </p:style>
+        <p:txBody>
+          <a:bodyPr wrap="square">
+            <a:spAutoFit/>
+          </a:bodyPr>
+          <a:lstStyle/>
+          <a:p>
+            <a:r>
+              <a:rPr lang="en-US" sz="1100" dirty="0"/>
+              <a:t>// movie collection</a:t>
+            </a:r>
+          </a:p>
+          <a:p>
+            <a:endParaRPr lang="en-US" sz="1100" dirty="0"/>
+          </a:p>
+          <a:p>
+            <a:r>
+              <a:rPr lang="en-US" sz="1100" dirty="0"/>
+              <a:t>{</a:t>
+            </a:r>
+          </a:p>
+          <a:p>
+            <a:r>
+              <a:rPr lang="en-US" sz="1100" dirty="0"/>
+              <a:t>  "_id": 1,</a:t>
+            </a:r>
+          </a:p>
+          <a:p>
+            <a:r>
+              <a:rPr lang="en-US" sz="1100" dirty="0"/>
+              <a:t>  "title": "The Arrival of a Train",</a:t>
+            </a:r>
+          </a:p>
+          <a:p>
+            <a:r>
+              <a:rPr lang="en-US" sz="1100" dirty="0"/>
+              <a:t>  "year": 1896,</a:t>
+            </a:r>
+          </a:p>
+          <a:p>
+            <a:r>
+              <a:rPr lang="en-US" sz="1100" dirty="0"/>
+              <a:t>  "runtime": 1,</a:t>
+            </a:r>
+          </a:p>
+          <a:p>
+            <a:r>
+              <a:rPr lang="en-US" sz="1100" dirty="0"/>
+              <a:t>  "released": </a:t>
+            </a:r>
+            <a:r>
+              <a:rPr lang="en-US" sz="1100" dirty="0" err="1"/>
+              <a:t>ISODate</a:t>
+            </a:r>
+            <a:r>
+              <a:rPr lang="en-US" sz="1100" dirty="0"/>
+              <a:t>("1896-01-25"),</a:t>
+            </a:r>
+          </a:p>
+          <a:p>
+            <a:r>
+              <a:rPr lang="en-US" sz="1100" dirty="0"/>
+              <a:t>  "type": "movie",</a:t>
+            </a:r>
+          </a:p>
+          <a:p>
+            <a:r>
+              <a:rPr lang="en-US" sz="1100" dirty="0"/>
+              <a:t>  "directors": [ "Auguste Lumière", "Louis Lumière" ],</a:t>
+            </a:r>
+          </a:p>
+          <a:p>
+            <a:r>
+              <a:rPr lang="en-US" sz="1100" dirty="0"/>
+              <a:t>  "countries": [ "France" ],</a:t>
+            </a:r>
+          </a:p>
+          <a:p>
+            <a:r>
+              <a:rPr lang="en-US" sz="1100" dirty="0"/>
+              <a:t>  "genres": [ "Documentary", "Short" ],</a:t>
+            </a:r>
+          </a:p>
+          <a:p>
+            <a:r>
+              <a:rPr lang="en-US" sz="1100" dirty="0"/>
+              <a:t>}</a:t>
+            </a:r>
+          </a:p>
+        </p:txBody>
+      </p:sp>
+      <p:sp>
+        <p:nvSpPr>
+          <p:cNvPr id="7" name="Rectangle 6">
+            <a:extLst>
+              <a:ext uri="{FF2B5EF4-FFF2-40B4-BE49-F238E27FC236}">
+                <a16:creationId xmlns:a16="http://schemas.microsoft.com/office/drawing/2014/main" id="{F2522E80-6F67-4139-B960-FCF4713266F4}"/>
+              </a:ext>
+            </a:extLst>
+          </p:cNvPr>
+          <p:cNvSpPr/>
+          <p:nvPr/>
+        </p:nvSpPr>
+        <p:spPr>
+          <a:xfrm>
+            <a:off x="3990029" y="381497"/>
+            <a:ext cx="5102090" cy="4555093"/>
+          </a:xfrm>
+          <a:prstGeom prst="rect">
+            <a:avLst/>
+          </a:prstGeom>
+          <a:ln w="3175"/>
+        </p:spPr>
+        <p:style>
+          <a:lnRef idx="2">
+            <a:schemeClr val="accent4"/>
+          </a:lnRef>
+          <a:fillRef idx="1">
+            <a:schemeClr val="lt1"/>
+          </a:fillRef>
+          <a:effectRef idx="0">
+            <a:schemeClr val="accent4"/>
+          </a:effectRef>
+          <a:fontRef idx="minor">
+            <a:schemeClr val="dk1"/>
+          </a:fontRef>
+        </p:style>
+        <p:txBody>
+          <a:bodyPr wrap="square">
+            <a:spAutoFit/>
+          </a:bodyPr>
+          <a:lstStyle/>
+          <a:p>
+            <a:r>
+              <a:rPr lang="en-US" sz="1000" dirty="0"/>
+              <a:t>// </a:t>
+            </a:r>
+            <a:r>
+              <a:rPr lang="en-US" sz="1000" dirty="0" err="1"/>
+              <a:t>movie_details</a:t>
+            </a:r>
+            <a:r>
+              <a:rPr lang="en-US" sz="1000" dirty="0"/>
+              <a:t> collection</a:t>
+            </a:r>
+          </a:p>
+          <a:p>
+            <a:endParaRPr lang="en-US" sz="1000" dirty="0"/>
+          </a:p>
+          <a:p>
+            <a:r>
+              <a:rPr lang="en-US" sz="1000" dirty="0"/>
+              <a:t>{</a:t>
+            </a:r>
+          </a:p>
+          <a:p>
+            <a:r>
+              <a:rPr lang="en-US" sz="1000" dirty="0"/>
+              <a:t>  "_id": 156,</a:t>
+            </a:r>
+          </a:p>
+          <a:p>
+            <a:r>
+              <a:rPr lang="en-US" sz="1000" dirty="0"/>
+              <a:t>  "</a:t>
+            </a:r>
+            <a:r>
+              <a:rPr lang="en-US" sz="1000" dirty="0" err="1"/>
+              <a:t>movie_id</a:t>
+            </a:r>
+            <a:r>
+              <a:rPr lang="en-US" sz="1000" dirty="0"/>
+              <a:t>": 1, // reference to the movie collection</a:t>
+            </a:r>
+          </a:p>
+          <a:p>
+            <a:r>
+              <a:rPr lang="en-US" sz="1000" dirty="0"/>
+              <a:t>  "poster": "http://ia.media-imdb.com/images/M/MV5BMjEyNDk5MDYzOV5BMl5BanBnXkFtZTgwNjIxMTEwMzE@._V1_SX300.jpg",</a:t>
+            </a:r>
+          </a:p>
+          <a:p>
+            <a:r>
+              <a:rPr lang="en-US" sz="1000" dirty="0"/>
+              <a:t>  "plot": "A group of people are standing in a straight line along the platform of a railway station, waiting for a train, which is seen coming at some distance. When the train stops at the platform, ...",</a:t>
+            </a:r>
+          </a:p>
+          <a:p>
+            <a:r>
+              <a:rPr lang="en-US" sz="1000" dirty="0"/>
+              <a:t>  "</a:t>
+            </a:r>
+            <a:r>
+              <a:rPr lang="en-US" sz="1000" dirty="0" err="1"/>
+              <a:t>fullplot</a:t>
+            </a:r>
+            <a:r>
+              <a:rPr lang="en-US" sz="1000" dirty="0"/>
+              <a:t>": "A group of people are standing in a straight line along the platform of a railway station, waiting for a train, which is seen coming at some distance. When the train stops at the platform, the line dissolves. The doors of the railway-cars open, and people on the platform help passengers to get off.",</a:t>
+            </a:r>
+          </a:p>
+          <a:p>
+            <a:r>
+              <a:rPr lang="en-US" sz="1000" dirty="0"/>
+              <a:t>  "</a:t>
+            </a:r>
+            <a:r>
+              <a:rPr lang="en-US" sz="1000" dirty="0" err="1"/>
+              <a:t>lastupdated</a:t>
+            </a:r>
+            <a:r>
+              <a:rPr lang="en-US" sz="1000" dirty="0"/>
+              <a:t>": </a:t>
+            </a:r>
+            <a:r>
+              <a:rPr lang="en-US" sz="1000" dirty="0" err="1"/>
+              <a:t>ISODate</a:t>
+            </a:r>
+            <a:r>
+              <a:rPr lang="en-US" sz="1000" dirty="0"/>
+              <a:t>("2015-08-15T10:06:53"),</a:t>
+            </a:r>
+          </a:p>
+          <a:p>
+            <a:r>
+              <a:rPr lang="en-US" sz="1000" dirty="0"/>
+              <a:t>  "</a:t>
+            </a:r>
+            <a:r>
+              <a:rPr lang="en-US" sz="1000" dirty="0" err="1"/>
+              <a:t>imdb</a:t>
+            </a:r>
+            <a:r>
+              <a:rPr lang="en-US" sz="1000" dirty="0"/>
+              <a:t>": {</a:t>
+            </a:r>
+          </a:p>
+          <a:p>
+            <a:r>
+              <a:rPr lang="en-US" sz="1000" dirty="0"/>
+              <a:t>    "rating": 7.3,</a:t>
+            </a:r>
+          </a:p>
+          <a:p>
+            <a:r>
+              <a:rPr lang="en-US" sz="1000" dirty="0"/>
+              <a:t>    "votes": 5043,</a:t>
+            </a:r>
+          </a:p>
+          <a:p>
+            <a:r>
+              <a:rPr lang="en-US" sz="1000" dirty="0"/>
+              <a:t>    "id": 12</a:t>
+            </a:r>
+          </a:p>
+          <a:p>
+            <a:r>
+              <a:rPr lang="en-US" sz="1000" dirty="0"/>
+              <a:t>  },</a:t>
+            </a:r>
+          </a:p>
+          <a:p>
+            <a:r>
+              <a:rPr lang="en-US" sz="1000" dirty="0"/>
+              <a:t>  "tomatoes": {</a:t>
+            </a:r>
+          </a:p>
+          <a:p>
+            <a:r>
+              <a:rPr lang="en-US" sz="1000" dirty="0"/>
+              <a:t>    "viewer": {</a:t>
+            </a:r>
+          </a:p>
+          <a:p>
+            <a:r>
+              <a:rPr lang="en-US" sz="1000" dirty="0"/>
+              <a:t>      "rating": 3.7,</a:t>
+            </a:r>
+          </a:p>
+          <a:p>
+            <a:r>
+              <a:rPr lang="en-US" sz="1000" dirty="0"/>
+              <a:t>      "</a:t>
+            </a:r>
+            <a:r>
+              <a:rPr lang="en-US" sz="1000" dirty="0" err="1"/>
+              <a:t>numReviews</a:t>
+            </a:r>
+            <a:r>
+              <a:rPr lang="en-US" sz="1000" dirty="0"/>
+              <a:t>": 59</a:t>
+            </a:r>
+          </a:p>
+          <a:p>
+            <a:r>
+              <a:rPr lang="en-US" sz="1000" dirty="0"/>
+              <a:t>    },</a:t>
+            </a:r>
+          </a:p>
+          <a:p>
+            <a:r>
+              <a:rPr lang="en-US" sz="1000" dirty="0"/>
+              <a:t>    "</a:t>
+            </a:r>
+            <a:r>
+              <a:rPr lang="en-US" sz="1000" dirty="0" err="1"/>
+              <a:t>lastUpdated</a:t>
+            </a:r>
+            <a:r>
+              <a:rPr lang="en-US" sz="1000" dirty="0"/>
+              <a:t>": </a:t>
+            </a:r>
+            <a:r>
+              <a:rPr lang="en-US" sz="1000" dirty="0" err="1"/>
+              <a:t>ISODate</a:t>
+            </a:r>
+            <a:r>
+              <a:rPr lang="en-US" sz="1000" dirty="0"/>
+              <a:t>("2020-01-29T00:02:53")</a:t>
+            </a:r>
+          </a:p>
+          <a:p>
+            <a:r>
+              <a:rPr lang="en-US" sz="1000" dirty="0"/>
+              <a:t>  }</a:t>
+            </a:r>
+          </a:p>
+          <a:p>
+            <a:r>
+              <a:rPr lang="en-US" sz="1000" dirty="0"/>
+              <a:t>}</a:t>
+            </a:r>
+          </a:p>
+        </p:txBody>
+      </p:sp>
+      <p:sp>
+        <p:nvSpPr>
+          <p:cNvPr id="9" name="Rectangle 8">
+            <a:extLst>
+              <a:ext uri="{FF2B5EF4-FFF2-40B4-BE49-F238E27FC236}">
+                <a16:creationId xmlns:a16="http://schemas.microsoft.com/office/drawing/2014/main" id="{F6852036-4FCF-454B-AB6F-08E6E9BCFD93}"/>
+              </a:ext>
+            </a:extLst>
+          </p:cNvPr>
+          <p:cNvSpPr/>
+          <p:nvPr/>
+        </p:nvSpPr>
+        <p:spPr>
+          <a:xfrm>
+            <a:off x="16213" y="2753113"/>
+            <a:ext cx="3869987" cy="2255600"/>
+          </a:xfrm>
+          <a:prstGeom prst="rect">
+            <a:avLst/>
+          </a:prstGeom>
+        </p:spPr>
+        <p:style>
+          <a:lnRef idx="1">
+            <a:schemeClr val="accent2"/>
+          </a:lnRef>
+          <a:fillRef idx="3">
+            <a:schemeClr val="accent2"/>
+          </a:fillRef>
+          <a:effectRef idx="2">
+            <a:schemeClr val="accent2"/>
+          </a:effectRef>
+          <a:fontRef idx="minor">
+            <a:schemeClr val="lt1"/>
+          </a:fontRef>
+        </p:style>
+        <p:txBody>
+          <a:bodyPr rtlCol="0" anchor="ctr"/>
+          <a:lstStyle/>
+          <a:p>
+            <a:pPr marL="171450" indent="-171450">
+              <a:buFont typeface="Wingdings" panose="05000000000000000000" pitchFamily="2" charset="2"/>
+              <a:buChar char="ü"/>
+            </a:pPr>
+            <a:r>
+              <a:rPr lang="en-US" sz="1000" dirty="0"/>
+              <a:t>The “movie” collection contains basic information on a movie. This is the data that the application loads by default:</a:t>
+            </a:r>
+          </a:p>
+          <a:p>
+            <a:pPr marL="171450" indent="-171450">
+              <a:buFont typeface="Wingdings" panose="05000000000000000000" pitchFamily="2" charset="2"/>
+              <a:buChar char="ü"/>
+            </a:pPr>
+            <a:endParaRPr lang="en-US" sz="1000" dirty="0"/>
+          </a:p>
+          <a:p>
+            <a:pPr marL="171450" indent="-171450">
+              <a:buFont typeface="Wingdings" panose="05000000000000000000" pitchFamily="2" charset="2"/>
+              <a:buChar char="ü"/>
+            </a:pPr>
+            <a:r>
+              <a:rPr lang="en-US" sz="1000" dirty="0"/>
+              <a:t>The “movie_details” collection contains additional, less frequently-accessed data for each movie</a:t>
+            </a:r>
+          </a:p>
+          <a:p>
+            <a:pPr marL="171450" indent="-171450">
+              <a:buFont typeface="Wingdings" panose="05000000000000000000" pitchFamily="2" charset="2"/>
+              <a:buChar char="ü"/>
+            </a:pPr>
+            <a:endParaRPr lang="en-US" sz="1000" dirty="0"/>
+          </a:p>
+          <a:p>
+            <a:pPr marL="171450" indent="-171450">
+              <a:buFont typeface="Wingdings" panose="05000000000000000000" pitchFamily="2" charset="2"/>
+              <a:buChar char="ü"/>
+            </a:pPr>
+            <a:r>
+              <a:rPr lang="en-US" sz="1000" dirty="0"/>
+              <a:t>This method improves read performance because it requires the application to read less data to fulfill its most common request. The application can make an additional database call to fetch the less-frequently accessed data if needed.</a:t>
+            </a:r>
+          </a:p>
+          <a:p>
+            <a:pPr marL="171450" indent="-171450">
+              <a:buFont typeface="Wingdings" panose="05000000000000000000" pitchFamily="2" charset="2"/>
+              <a:buChar char="ü"/>
+            </a:pPr>
+            <a:endParaRPr lang="en-US" sz="1000" dirty="0"/>
+          </a:p>
+          <a:p>
+            <a:pPr marL="171450" indent="-171450">
+              <a:buFont typeface="Wingdings" panose="05000000000000000000" pitchFamily="2" charset="2"/>
+              <a:buChar char="ü"/>
+            </a:pPr>
+            <a:r>
+              <a:rPr lang="en-US" sz="1000" dirty="0"/>
+              <a:t>When considering where to split your data, the most frequently-accessed portion of the data should go in the collection that the application loads first.</a:t>
+            </a:r>
+          </a:p>
+        </p:txBody>
+      </p:sp>
+    </p:spTree>
+    <p:extLst>
+      <p:ext uri="{BB962C8B-B14F-4D97-AF65-F5344CB8AC3E}">
+        <p14:creationId xmlns:p14="http://schemas.microsoft.com/office/powerpoint/2010/main" val="2700315504"/>
+      </p:ext>
+    </p:extLst>
+  </p:cSld>
+  <p:clrMapOvr>
+    <a:masterClrMapping/>
+  </p:clrMapOvr>
+</p:sld>
+</file>
+
+<file path=ppt/slides/slide6.xml><?xml version="1.0" encoding="utf-8"?>
+<p:sld xmlns:a="http://schemas.openxmlformats.org/drawingml/2006/main" xmlns:r="http://schemas.openxmlformats.org/officeDocument/2006/relationships" xmlns:p="http://schemas.openxmlformats.org/presentationml/2006/main">
+  <p:cSld>
+    <p:spTree>
+      <p:nvGrpSpPr>
+        <p:cNvPr id="1" name=""/>
+        <p:cNvGrpSpPr/>
+        <p:nvPr/>
+      </p:nvGrpSpPr>
+      <p:grpSpPr>
+        <a:xfrm>
+          <a:off x="0" y="0"/>
+          <a:ext cx="0" cy="0"/>
+          <a:chOff x="0" y="0"/>
+          <a:chExt cx="0" cy="0"/>
+        </a:xfrm>
+      </p:grpSpPr>
+      <p:sp>
+        <p:nvSpPr>
+          <p:cNvPr id="3" name="AutoShape 2" descr="data:image/png;base64,iVBORw0KGgoAAAANSUhEUgAAANEAAADxCAMAAABiSKLrAAAAbFBMVEWIiIj////6+vr29vb19fX4+Pj5+fnu7u77+/v39/f9/f3z8/P+/v709PT8/Pyqqqrt7e3v7+/w8PDx8fHy8vK+vr7Q0NCjo6OBgYHY2Njk5OTHx8eNjY3c3NzGxsbn5+eWlpa1tbWcnJx6enob4+f+AAAIqklEQVR4nO3dCZuaOhQGYEZAh0FkX2W1//8/lkVMICeIkRmOPHz22lYg5OVEZLFzJRNrnC+xSGt3nJvQekMUYktnEiM1ouDrjCs/pukLkzoRtpjmNRcloRUFoiS8oo5UvLwsYpEgCaXoHLYiMRJqkRAJt0iEhFwkQMIqCgJRElpRLErCL3r1oxavSJSEWCRIQikyOtGQNPd8CaXICc04FiXhFomQkIsESChFbmhmwiT0opf3eBivMzSjLuORnh49oKxRKxIloayR24oESShFRScSI6EUJaGZCJNwiwhp/skFcpFAlbCLXiehF71MQisSJiEVVYkwqRP9oEpXI1HSXXRuWjo/2jz3f3v8YfjS7871lbU1EiT1IjrAKrvX/2iurzisijkk8OQC5ah7iERIyEUCJOyi10noRU9J490DUpFPRAApniJhFVnzSaOdOF6RKAmlKGhFgiTMohdIyYeIhEh30aV99E9NLo8VXLqn++Q/mIuIREid6DJsv32s91Ityi1hEtJRl5+ESX2NMKUR2ZYoCbNIjIRV5FiiJIyicx7mriVEKnCKfvxadBIloRQ1NTqJkcICpcgPr7rjOPYJZnFNbZVwikw/YHNlXmDi4xW9kU70jSnNqOu/xL4R0aWg3yNMgNHWp0I66i7Dy5PsdXFuApw1Eg8RndfuykLZa4Q/512EPrsIfzYtOmwje43wh4h+1u7KQvm5bk601wh9NlijXYQ+uwh/HqLrZkTXh+h4PDQP8lQ/PvAlSrT2xl0oRHQ5biOXXYQ+uwh/dhH+7CL82bRI3Ua2XKPvtTfuQvneReizi/BnF+HPLsKfTYu0bYQWsd5PfImIDmtv3IVy2EXos4vwZxfhzy7CH0okbyO7CH+2/D46rr1xF8pxF6HPLsKfXYQ/uwh/KJGyjWxatPZwWShEpK69cReKuovQZxfhzy7Cn12EP0SkGduItmHRzFF3P3r63ZHzTl4YdYqsHg/e/YdF2e7xcFRVrba109gMFp2evGhmjzpFVZLcvJVpl7K8hWaVB1liNVNdJh7VZ4Wd7P4aaa5I866lFEnDRHWksC5eVgtH8VWy8PHGTE5V/rr+QqSocTnm9CpTM+SMmRhVVJcPKbPYv5VFcs7x1F3P1eeikl1sXZHGB0lRLH+eSI75ICk6KZ8nctkOkaQN+cNEWjBRIimU0YpkHY4hmxOgqNIMHRaRJo6giLO+dyM/F1nsvpfqWVAv92Eihe0u3bNE+TgR/FkURfWhUHPMIBsguh6N0yKNs7o/EGkVIEpj+XA8fltJ0GzqDxMdQwBka+2gqQ/p9FYkpaNIiEXuje3OddQfg738rFCTcYmME9sdKXntbY1MBOy802JrotJ6bSUiInLia7y2+aZEbXuyxXbn5vXXGQazDs+6xUWGoql2kXU/DDrOssLWNFmZ65oQufeflwvU6PHDdO8ki/0xu/Rb7RVRvZNJgupW7y3bU+T6JLnej97MPLNUhbPIbJEV9U2y/eknHds5lfhfNMo/sb23oRX5LQXWGUmpGdtz3nxEpOiep7eP+5MFUEZJj+0SCnsCVX/CkrZUQFRvQG+8RkNOzHTi5LL0rW6x8YL0bwolGtdolqir0fQxAyQCNrdsVczFmdFS6fXp+4kSecPMEqntrAYkkklTYI288frkYKI+j+XCYtzRUdCIdMV/7mkWTDNmY6AU6bo5C9QknqwSEpFuzAdJUjZFQiJSoFMWfhIDu0ievDjD5ubquEV6AjVet3krU3B/Hvn8cYdDBJxUSlKVaJqmWvENMiXcImEQKcCYi26W1nZaN9SAXXFkcos0JZpxXLeICDpLDnVSBDkDusAtEhGN72p5J78LcMbn9+nudemgiDSlASLF66cC20NKbZ3qCnAnIfKp9gcxiIjVPj8/8mbVCBY9VsNes42C4YgBrgyUJ06NpkRdCuD8yB418pYIOkl2hyuQ2SOkKOMMO4M76vrBB4sG84Cjjrr5Cooeo4TdLwyGbLsC4IKgD93dHY66lUQye7gQxfqgfdcDhr7JeSOtLoL2dOn4KEdX2E+s0hp24j3RaUERsPnLLBmlYPceaYJVBB0Bja85p8ANn3rXgFX02kEqaSGAeywoGs7zjghYdqYoxyp68USCtMDZfX+wqHomav53fkBcWDSYx4NEBpkuAyLj3oSwSDIVsMM6ETVAp/3V/KG2tP/xRPRccI1IW7Comyr8PupE9052bbW/0yLHpX/1T1wRmQuskULa4oqcd/Z1pjLu6li0zqgDP49m5fmo+2NR3z50zFBYczLsBB6Rxx6y8Q5wRoE7LCaylhM5BnTs7cGdmZP1RZzdygeLXOjW9fg94jYXUnjjbBHRcJ5nImVKBA67fFgkL/HzIE4KRW7vM0/i/kQ0WSPHg75KldHdqc+h7pfZ0jKs/GuDM3hvNSLizSEqoroE1Yia7ELf00kIWS/o09z+EmLA6bC3hMh9TwRskDq51x47e4Zzhc73Qt64wyByPOjmUVT6cZZkcQV+0zxNflX05qgD36tSe3MilcCr1FLEe9sPRDYYjmgwD1wjMl1hm4h0ugF43PETVd6wB3RbKES2Pu+2cr9waHFBWESO+8JtyxrkckFYRDa8dxAAoRHNH3hRNTHkUIlsY9Z3TqR6LzcFokScSsKi4TzPRMYske0VT78XJJkJZ8uTzojV6FdEtmNkE9/diqLUzJTpAtmzalQyF6FvI5ETA9+OpraQwTYhwRvQMYqryX6sNn8vq8AynnqoGuXuCY7N/vMR3R7N47DzePR04J+gjJt4rM7V3SzwzbC8FzYtb2Z1jQtDd3nLDOLmD1E9v90++qfT4Lfh5N+cq/508shXb5st6Ll1cWa2RYu2EUo0p6QfkF2EP7sIf3YR/hCRs3ZXFoqzYdEGR92su1D4Q486yzq1D/L0iS85W67R2l1ZKLsIfzYs4l05+bg8rpxU/lZS3UXbyvZE/wFXu+LXNTDaDQAAAABJRU5ErkJggg=="/>
+          <p:cNvSpPr>
+            <a:spLocks noChangeAspect="1" noChangeArrowheads="1"/>
+          </p:cNvSpPr>
+          <p:nvPr/>
+        </p:nvSpPr>
+        <p:spPr bwMode="auto">
+          <a:xfrm>
+            <a:off x="155575" y="-144463"/>
+            <a:ext cx="304800" cy="304801"/>
+          </a:xfrm>
+          <a:prstGeom prst="rect">
+            <a:avLst/>
+          </a:prstGeom>
+          <a:noFill/>
+          <a:extLst>
+            <a:ext uri="{909E8E84-426E-40DD-AFC4-6F175D3DCCD1}">
+              <a14:hiddenFill xmlns:a14="http://schemas.microsoft.com/office/drawing/2010/main">
+                <a:solidFill>
+                  <a:srgbClr val="FFFFFF"/>
+                </a:solidFill>
+              </a14:hiddenFill>
+            </a:ext>
+          </a:extLst>
+        </p:spPr>
+        <p:txBody>
+          <a:bodyPr vert="horz" wrap="square" lIns="91440" tIns="45720" rIns="91440" bIns="45720" numCol="1" anchor="t" anchorCtr="0" compatLnSpc="1">
+            <a:prstTxWarp prst="textNoShape">
+              <a:avLst/>
+            </a:prstTxWarp>
+          </a:bodyPr>
+          <a:lstStyle/>
+          <a:p>
+            <a:endParaRPr lang="en-US" sz="1200" dirty="0"/>
+          </a:p>
+        </p:txBody>
+      </p:sp>
+      <p:sp>
+        <p:nvSpPr>
+          <p:cNvPr id="2" name="AutoShape 2" descr="Image result for file"/>
+          <p:cNvSpPr>
+            <a:spLocks noChangeAspect="1" noChangeArrowheads="1"/>
+          </p:cNvSpPr>
+          <p:nvPr/>
+        </p:nvSpPr>
+        <p:spPr bwMode="auto">
+          <a:xfrm>
+            <a:off x="307975" y="7937"/>
+            <a:ext cx="304800" cy="304801"/>
+          </a:xfrm>
+          <a:prstGeom prst="rect">
+            <a:avLst/>
+          </a:prstGeom>
+          <a:noFill/>
+          <a:extLst>
+            <a:ext uri="{909E8E84-426E-40DD-AFC4-6F175D3DCCD1}">
+              <a14:hiddenFill xmlns:a14="http://schemas.microsoft.com/office/drawing/2010/main">
+                <a:solidFill>
+                  <a:srgbClr val="FFFFFF"/>
+                </a:solidFill>
+              </a14:hiddenFill>
+            </a:ext>
+          </a:extLst>
+        </p:spPr>
+        <p:txBody>
+          <a:bodyPr vert="horz" wrap="square" lIns="91440" tIns="45720" rIns="91440" bIns="45720" numCol="1" anchor="t" anchorCtr="0" compatLnSpc="1">
+            <a:prstTxWarp prst="textNoShape">
+              <a:avLst/>
+            </a:prstTxWarp>
+          </a:bodyPr>
+          <a:lstStyle/>
+          <a:p>
+            <a:endParaRPr lang="en-US" sz="1200" dirty="0"/>
+          </a:p>
+        </p:txBody>
+      </p:sp>
+      <p:sp>
+        <p:nvSpPr>
+          <p:cNvPr id="4" name="AutoShape 4" descr="Image result for file"/>
+          <p:cNvSpPr>
+            <a:spLocks noChangeAspect="1" noChangeArrowheads="1"/>
+          </p:cNvSpPr>
+          <p:nvPr/>
+        </p:nvSpPr>
+        <p:spPr bwMode="auto">
+          <a:xfrm>
+            <a:off x="460375" y="160337"/>
+            <a:ext cx="304800" cy="304801"/>
+          </a:xfrm>
+          <a:prstGeom prst="rect">
+            <a:avLst/>
+          </a:prstGeom>
+          <a:noFill/>
+          <a:extLst>
+            <a:ext uri="{909E8E84-426E-40DD-AFC4-6F175D3DCCD1}">
+              <a14:hiddenFill xmlns:a14="http://schemas.microsoft.com/office/drawing/2010/main">
+                <a:solidFill>
+                  <a:srgbClr val="FFFFFF"/>
+                </a:solidFill>
+              </a14:hiddenFill>
+            </a:ext>
+          </a:extLst>
+        </p:spPr>
+        <p:txBody>
+          <a:bodyPr vert="horz" wrap="square" lIns="91440" tIns="45720" rIns="91440" bIns="45720" numCol="1" anchor="t" anchorCtr="0" compatLnSpc="1">
+            <a:prstTxWarp prst="textNoShape">
+              <a:avLst/>
+            </a:prstTxWarp>
+          </a:bodyPr>
+          <a:lstStyle/>
+          <a:p>
+            <a:endParaRPr lang="en-US" sz="1200" dirty="0"/>
+          </a:p>
+        </p:txBody>
+      </p:sp>
+      <p:sp>
+        <p:nvSpPr>
+          <p:cNvPr id="6" name="AutoShape 4" descr="Image result for xml symbol"/>
+          <p:cNvSpPr>
+            <a:spLocks noChangeAspect="1" noChangeArrowheads="1"/>
+          </p:cNvSpPr>
+          <p:nvPr/>
+        </p:nvSpPr>
+        <p:spPr bwMode="auto">
+          <a:xfrm>
+            <a:off x="-755650" y="465137"/>
+            <a:ext cx="304800" cy="304801"/>
+          </a:xfrm>
+          <a:prstGeom prst="rect">
+            <a:avLst/>
+          </a:prstGeom>
+          <a:noFill/>
+          <a:extLst>
+            <a:ext uri="{909E8E84-426E-40DD-AFC4-6F175D3DCCD1}">
+              <a14:hiddenFill xmlns:a14="http://schemas.microsoft.com/office/drawing/2010/main">
+                <a:solidFill>
+                  <a:srgbClr val="FFFFFF"/>
+                </a:solidFill>
+              </a14:hiddenFill>
+            </a:ext>
+          </a:extLst>
+        </p:spPr>
+        <p:txBody>
+          <a:bodyPr vert="horz" wrap="square" lIns="91440" tIns="45720" rIns="91440" bIns="45720" numCol="1" anchor="t" anchorCtr="0" compatLnSpc="1">
+            <a:prstTxWarp prst="textNoShape">
+              <a:avLst/>
+            </a:prstTxWarp>
+          </a:bodyPr>
+          <a:lstStyle/>
+          <a:p>
+            <a:endParaRPr lang="en-US" sz="1200"/>
+          </a:p>
+        </p:txBody>
+      </p:sp>
+      <p:sp>
+        <p:nvSpPr>
+          <p:cNvPr id="11" name="Rectangle 10">
+            <a:extLst>
+              <a:ext uri="{FF2B5EF4-FFF2-40B4-BE49-F238E27FC236}">
+                <a16:creationId xmlns:a16="http://schemas.microsoft.com/office/drawing/2014/main" id="{7142775A-ED08-4E7D-9A8D-92D911BD49C8}"/>
+              </a:ext>
+            </a:extLst>
+          </p:cNvPr>
+          <p:cNvSpPr/>
+          <p:nvPr/>
+        </p:nvSpPr>
+        <p:spPr>
+          <a:xfrm>
+            <a:off x="1712068" y="0"/>
+            <a:ext cx="5946775" cy="307777"/>
+          </a:xfrm>
+          <a:prstGeom prst="rect">
+            <a:avLst/>
+          </a:prstGeom>
+        </p:spPr>
+        <p:style>
+          <a:lnRef idx="1">
+            <a:schemeClr val="accent4"/>
+          </a:lnRef>
+          <a:fillRef idx="3">
+            <a:schemeClr val="accent4"/>
+          </a:fillRef>
+          <a:effectRef idx="2">
+            <a:schemeClr val="accent4"/>
+          </a:effectRef>
+          <a:fontRef idx="minor">
+            <a:schemeClr val="lt1"/>
+          </a:fontRef>
+        </p:style>
+        <p:txBody>
+          <a:bodyPr wrap="square">
+            <a:spAutoFit/>
+          </a:bodyPr>
+          <a:lstStyle>
+            <a:defPPr>
+              <a:defRPr lang="en-US"/>
+            </a:defPPr>
+            <a:lvl1pPr marL="0" algn="l" defTabSz="914400" rtl="0" eaLnBrk="1" latinLnBrk="0" hangingPunct="1">
+              <a:defRPr sz="1800" kern="1200">
+                <a:solidFill>
+                  <a:schemeClr val="lt1"/>
+                </a:solidFill>
+                <a:latin typeface="+mn-lt"/>
+                <a:ea typeface="+mn-ea"/>
+                <a:cs typeface="+mn-cs"/>
+              </a:defRPr>
+            </a:lvl1pPr>
+            <a:lvl2pPr marL="457200" algn="l" defTabSz="914400" rtl="0" eaLnBrk="1" latinLnBrk="0" hangingPunct="1">
+              <a:defRPr sz="1800" kern="1200">
+                <a:solidFill>
+                  <a:schemeClr val="lt1"/>
+                </a:solidFill>
+                <a:latin typeface="+mn-lt"/>
+                <a:ea typeface="+mn-ea"/>
+                <a:cs typeface="+mn-cs"/>
+              </a:defRPr>
+            </a:lvl2pPr>
+            <a:lvl3pPr marL="914400" algn="l" defTabSz="914400" rtl="0" eaLnBrk="1" latinLnBrk="0" hangingPunct="1">
+              <a:defRPr sz="1800" kern="1200">
+                <a:solidFill>
+                  <a:schemeClr val="lt1"/>
+                </a:solidFill>
+                <a:latin typeface="+mn-lt"/>
+                <a:ea typeface="+mn-ea"/>
+                <a:cs typeface="+mn-cs"/>
+              </a:defRPr>
+            </a:lvl3pPr>
+            <a:lvl4pPr marL="1371600" algn="l" defTabSz="914400" rtl="0" eaLnBrk="1" latinLnBrk="0" hangingPunct="1">
+              <a:defRPr sz="1800" kern="1200">
+                <a:solidFill>
+                  <a:schemeClr val="lt1"/>
+                </a:solidFill>
+                <a:latin typeface="+mn-lt"/>
+                <a:ea typeface="+mn-ea"/>
+                <a:cs typeface="+mn-cs"/>
+              </a:defRPr>
+            </a:lvl4pPr>
+            <a:lvl5pPr marL="1828800" algn="l" defTabSz="914400" rtl="0" eaLnBrk="1" latinLnBrk="0" hangingPunct="1">
+              <a:defRPr sz="1800" kern="1200">
+                <a:solidFill>
+                  <a:schemeClr val="lt1"/>
+                </a:solidFill>
+                <a:latin typeface="+mn-lt"/>
+                <a:ea typeface="+mn-ea"/>
+                <a:cs typeface="+mn-cs"/>
+              </a:defRPr>
+            </a:lvl5pPr>
+            <a:lvl6pPr marL="2286000" algn="l" defTabSz="914400" rtl="0" eaLnBrk="1" latinLnBrk="0" hangingPunct="1">
+              <a:defRPr sz="1800" kern="1200">
+                <a:solidFill>
+                  <a:schemeClr val="lt1"/>
+                </a:solidFill>
+                <a:latin typeface="+mn-lt"/>
+                <a:ea typeface="+mn-ea"/>
+                <a:cs typeface="+mn-cs"/>
+              </a:defRPr>
+            </a:lvl6pPr>
+            <a:lvl7pPr marL="2743200" algn="l" defTabSz="914400" rtl="0" eaLnBrk="1" latinLnBrk="0" hangingPunct="1">
+              <a:defRPr sz="1800" kern="1200">
+                <a:solidFill>
+                  <a:schemeClr val="lt1"/>
+                </a:solidFill>
+                <a:latin typeface="+mn-lt"/>
+                <a:ea typeface="+mn-ea"/>
+                <a:cs typeface="+mn-cs"/>
+              </a:defRPr>
+            </a:lvl7pPr>
+            <a:lvl8pPr marL="3200400" algn="l" defTabSz="914400" rtl="0" eaLnBrk="1" latinLnBrk="0" hangingPunct="1">
+              <a:defRPr sz="1800" kern="1200">
+                <a:solidFill>
+                  <a:schemeClr val="lt1"/>
+                </a:solidFill>
+                <a:latin typeface="+mn-lt"/>
+                <a:ea typeface="+mn-ea"/>
+                <a:cs typeface="+mn-cs"/>
+              </a:defRPr>
+            </a:lvl8pPr>
+            <a:lvl9pPr marL="3657600" algn="l" defTabSz="914400" rtl="0" eaLnBrk="1" latinLnBrk="0" hangingPunct="1">
+              <a:defRPr sz="1800" kern="1200">
+                <a:solidFill>
+                  <a:schemeClr val="lt1"/>
+                </a:solidFill>
+                <a:latin typeface="+mn-lt"/>
+                <a:ea typeface="+mn-ea"/>
+                <a:cs typeface="+mn-cs"/>
+              </a:defRPr>
+            </a:lvl9pPr>
+          </a:lstStyle>
+          <a:p>
+            <a:pPr algn="ctr"/>
+            <a:r>
+              <a:rPr lang="en-US" sz="1400" dirty="0"/>
+              <a:t>Model One-to-One Relationships with Embedded Documents (Subset Pattern)</a:t>
+            </a:r>
+          </a:p>
+        </p:txBody>
+      </p:sp>
+      <p:sp>
+        <p:nvSpPr>
+          <p:cNvPr id="8" name="Rectangle 7">
+            <a:extLst>
+              <a:ext uri="{FF2B5EF4-FFF2-40B4-BE49-F238E27FC236}">
+                <a16:creationId xmlns:a16="http://schemas.microsoft.com/office/drawing/2014/main" id="{832FF045-94BD-4343-B8DE-DC6709284B9F}"/>
+              </a:ext>
+            </a:extLst>
+          </p:cNvPr>
+          <p:cNvSpPr/>
+          <p:nvPr/>
+        </p:nvSpPr>
+        <p:spPr>
+          <a:xfrm>
+            <a:off x="155575" y="1447800"/>
+            <a:ext cx="2229906" cy="276999"/>
+          </a:xfrm>
+          <a:prstGeom prst="rect">
+            <a:avLst/>
+          </a:prstGeom>
+        </p:spPr>
+        <p:style>
+          <a:lnRef idx="1">
+            <a:schemeClr val="accent2"/>
+          </a:lnRef>
+          <a:fillRef idx="3">
+            <a:schemeClr val="accent2"/>
+          </a:fillRef>
+          <a:effectRef idx="2">
+            <a:schemeClr val="accent2"/>
+          </a:effectRef>
+          <a:fontRef idx="minor">
+            <a:schemeClr val="lt1"/>
+          </a:fontRef>
+        </p:style>
+        <p:txBody>
+          <a:bodyPr wrap="none">
+            <a:spAutoFit/>
+          </a:bodyPr>
+          <a:lstStyle/>
+          <a:p>
+            <a:r>
+              <a:rPr lang="en-US" sz="1200" dirty="0">
+                <a:solidFill>
+                  <a:schemeClr val="bg1"/>
+                </a:solidFill>
+                <a:latin typeface="Akzidenz"/>
+              </a:rPr>
+              <a:t>Trade-Offs of the Subset Pattern</a:t>
+            </a:r>
+            <a:endParaRPr lang="en-US" sz="1200" i="0" dirty="0">
+              <a:solidFill>
+                <a:schemeClr val="bg1"/>
+              </a:solidFill>
+              <a:effectLst/>
+              <a:latin typeface="Akzidenz"/>
+            </a:endParaRPr>
+          </a:p>
+        </p:txBody>
+      </p:sp>
+      <p:sp>
+        <p:nvSpPr>
+          <p:cNvPr id="10" name="Rectangle 9">
+            <a:extLst>
+              <a:ext uri="{FF2B5EF4-FFF2-40B4-BE49-F238E27FC236}">
+                <a16:creationId xmlns:a16="http://schemas.microsoft.com/office/drawing/2014/main" id="{3B0A559E-8EFC-4481-B75B-B860ABA2A768}"/>
+              </a:ext>
+            </a:extLst>
+          </p:cNvPr>
+          <p:cNvSpPr/>
+          <p:nvPr/>
+        </p:nvSpPr>
+        <p:spPr>
+          <a:xfrm>
+            <a:off x="155575" y="1752600"/>
+            <a:ext cx="8836025" cy="1752600"/>
+          </a:xfrm>
+          <a:prstGeom prst="rect">
+            <a:avLst/>
+          </a:prstGeom>
+          <a:ln w="3175"/>
+        </p:spPr>
+        <p:style>
+          <a:lnRef idx="2">
+            <a:schemeClr val="accent4"/>
+          </a:lnRef>
+          <a:fillRef idx="1">
+            <a:schemeClr val="lt1"/>
+          </a:fillRef>
+          <a:effectRef idx="0">
+            <a:schemeClr val="accent4"/>
+          </a:effectRef>
+          <a:fontRef idx="minor">
+            <a:schemeClr val="dk1"/>
+          </a:fontRef>
+        </p:style>
+        <p:txBody>
+          <a:bodyPr rtlCol="0" anchor="ctr"/>
+          <a:lstStyle/>
+          <a:p>
+            <a:pPr marL="171450" indent="-171450">
+              <a:buFont typeface="Wingdings" panose="05000000000000000000" pitchFamily="2" charset="2"/>
+              <a:buChar char="ü"/>
+            </a:pPr>
+            <a:r>
+              <a:rPr lang="en-US" sz="1200" dirty="0"/>
+              <a:t>Using smaller documents containing more frequently-accessed data reduces the overall size of the working set. These smaller documents result in improved read performance and make more memory available for the application.</a:t>
+            </a:r>
+          </a:p>
+          <a:p>
+            <a:pPr marL="171450" indent="-171450">
+              <a:buFont typeface="Wingdings" panose="05000000000000000000" pitchFamily="2" charset="2"/>
+              <a:buChar char="ü"/>
+            </a:pPr>
+            <a:endParaRPr lang="en-US" sz="1200" dirty="0"/>
+          </a:p>
+          <a:p>
+            <a:pPr marL="171450" indent="-171450">
+              <a:buFont typeface="Wingdings" panose="05000000000000000000" pitchFamily="2" charset="2"/>
+              <a:buChar char="ü"/>
+            </a:pPr>
+            <a:r>
+              <a:rPr lang="en-US" sz="1200" dirty="0"/>
+              <a:t>However, it is important to understand your application and the way it loads data. If you split your data into multiple collections improperly, your application will often need to make multiple trips to the database and rely on JOIN operations to retrieve all of the data that it needs.</a:t>
+            </a:r>
+          </a:p>
+          <a:p>
+            <a:pPr marL="171450" indent="-171450">
+              <a:buFont typeface="Wingdings" panose="05000000000000000000" pitchFamily="2" charset="2"/>
+              <a:buChar char="ü"/>
+            </a:pPr>
+            <a:endParaRPr lang="en-US" sz="1200" dirty="0"/>
+          </a:p>
+          <a:p>
+            <a:pPr marL="171450" indent="-171450">
+              <a:buFont typeface="Wingdings" panose="05000000000000000000" pitchFamily="2" charset="2"/>
+              <a:buChar char="ü"/>
+            </a:pPr>
+            <a:r>
+              <a:rPr lang="en-US" sz="1200" dirty="0"/>
+              <a:t>In addition, splitting your data into many small collections may increase required database maintenance, as it may become difficult to track what data is stored in which collection.</a:t>
+            </a:r>
+          </a:p>
+        </p:txBody>
+      </p:sp>
+    </p:spTree>
+    <p:extLst>
+      <p:ext uri="{BB962C8B-B14F-4D97-AF65-F5344CB8AC3E}">
+        <p14:creationId xmlns:p14="http://schemas.microsoft.com/office/powerpoint/2010/main" val="137881001"/>
+      </p:ext>
+    </p:extLst>
+  </p:cSld>
+  <p:clrMapOvr>
+    <a:masterClrMapping/>
+  </p:clrMapOvr>
+</p:sld>
+</file>
+
+<file path=ppt/slides/slide7.xml><?xml version="1.0" encoding="utf-8"?>
 <p:sld xmlns:a="http://schemas.openxmlformats.org/drawingml/2006/main" xmlns:r="http://schemas.openxmlformats.org/officeDocument/2006/relationships" xmlns:p="http://schemas.openxmlformats.org/presentationml/2006/main">
   <p:cSld>
     <p:spTree>
